--- a/presentation/GIT GOOD, KID.pptx
+++ b/presentation/GIT GOOD, KID.pptx
@@ -41,17 +41,17 @@
   <p:notesSz cx="6858000" cy="9144000"/>
   <p:embeddedFontLst>
     <p:embeddedFont>
-      <p:font typeface="Oswald Regular" panose="020B0604020202020204" charset="0"/>
+      <p:font typeface="Oswald Regular" panose="00000500000000000000" pitchFamily="2" charset="0"/>
       <p:regular r:id="rId31"/>
     </p:embeddedFont>
     <p:embeddedFont>
-      <p:font typeface="Average" panose="020B0604020202020204" charset="0"/>
+      <p:font typeface="Oswald" panose="00000500000000000000" pitchFamily="2" charset="0"/>
       <p:regular r:id="rId32"/>
+      <p:bold r:id="rId33"/>
     </p:embeddedFont>
     <p:embeddedFont>
-      <p:font typeface="Oswald" panose="020B0604020202020204" charset="0"/>
-      <p:regular r:id="rId33"/>
-      <p:bold r:id="rId34"/>
+      <p:font typeface="Average" panose="020B0604020202020204" charset="0"/>
+      <p:regular r:id="rId34"/>
     </p:embeddedFont>
   </p:embeddedFontLst>
   <p:defaultTextStyle>
@@ -308,7 +308,6 @@
           </a:p>
         </c:rich>
       </c:tx>
-      <c:layout/>
       <c:overlay val="0"/>
       <c:spPr>
         <a:noFill/>
@@ -5686,7 +5685,6 @@
               </a:p>
             </c:rich>
           </c:tx>
-          <c:layout/>
           <c:overlay val="0"/>
           <c:spPr>
             <a:noFill/>
@@ -5761,7 +5759,6 @@
     </c:plotArea>
     <c:legend>
       <c:legendPos val="b"/>
-      <c:layout/>
       <c:overlay val="0"/>
       <c:spPr>
         <a:noFill/>
@@ -5861,7 +5858,6 @@
           </a:p>
         </c:rich>
       </c:tx>
-      <c:layout/>
       <c:overlay val="0"/>
       <c:spPr>
         <a:noFill/>
@@ -11238,7 +11234,6 @@
               </a:p>
             </c:rich>
           </c:tx>
-          <c:layout/>
           <c:overlay val="0"/>
           <c:spPr>
             <a:noFill/>
@@ -11313,7 +11308,6 @@
     </c:plotArea>
     <c:legend>
       <c:legendPos val="b"/>
-      <c:layout/>
       <c:overlay val="0"/>
       <c:spPr>
         <a:noFill/>
@@ -12814,11 +12808,11 @@
               <a:buAutoNum type="arabicPeriod"/>
             </a:pPr>
             <a:r>
-              <a:rPr lang="en-US" dirty="0" smtClean="0"/>
+              <a:rPr lang="en-US" dirty="0"/>
               <a:t>Introduce self (name, major,</a:t>
             </a:r>
             <a:r>
-              <a:rPr lang="en-US" baseline="0" dirty="0" smtClean="0"/>
+              <a:rPr lang="en-US" baseline="0" dirty="0"/>
               <a:t> year)</a:t>
             </a:r>
           </a:p>
@@ -12864,7 +12858,12 @@
             <p:ph type="sldImg"/>
           </p:nvPr>
         </p:nvSpPr>
-        <p:spPr/>
+        <p:spPr>
+          <a:xfrm>
+            <a:off x="381000" y="685800"/>
+            <a:ext cx="6096000" cy="3429000"/>
+          </a:xfrm>
+        </p:spPr>
       </p:sp>
       <p:sp>
         <p:nvSpPr>
@@ -12925,7 +12924,12 @@
             <p:ph type="sldImg"/>
           </p:nvPr>
         </p:nvSpPr>
-        <p:spPr/>
+        <p:spPr>
+          <a:xfrm>
+            <a:off x="381000" y="685800"/>
+            <a:ext cx="6096000" cy="3429000"/>
+          </a:xfrm>
+        </p:spPr>
       </p:sp>
       <p:sp>
         <p:nvSpPr>
@@ -12946,7 +12950,7 @@
               <a:buAutoNum type="arabicPeriod"/>
             </a:pPr>
             <a:r>
-              <a:rPr lang="en-US" baseline="0" dirty="0" smtClean="0"/>
+              <a:rPr lang="en-US" baseline="0" dirty="0"/>
               <a:t>Have everybody clone the repository</a:t>
             </a:r>
           </a:p>
@@ -12955,7 +12959,7 @@
               <a:buAutoNum type="arabicPeriod"/>
             </a:pPr>
             <a:r>
-              <a:rPr lang="en-US" baseline="0" dirty="0" smtClean="0"/>
+              <a:rPr lang="en-US" baseline="0" dirty="0"/>
               <a:t>Make a change to the README.md, and commit it.</a:t>
             </a:r>
             <a:endParaRPr lang="en-US" dirty="0"/>
@@ -13002,7 +13006,12 @@
             <p:ph type="sldImg"/>
           </p:nvPr>
         </p:nvSpPr>
-        <p:spPr/>
+        <p:spPr>
+          <a:xfrm>
+            <a:off x="381000" y="685800"/>
+            <a:ext cx="6096000" cy="3429000"/>
+          </a:xfrm>
+        </p:spPr>
       </p:sp>
       <p:sp>
         <p:nvSpPr>
@@ -13023,11 +13032,11 @@
               <a:buNone/>
             </a:pPr>
             <a:r>
-              <a:rPr lang="en-US" dirty="0" smtClean="0"/>
+              <a:rPr lang="en-US" dirty="0"/>
               <a:t>1. This is just</a:t>
             </a:r>
             <a:r>
-              <a:rPr lang="en-US" baseline="0" dirty="0" smtClean="0"/>
+              <a:rPr lang="en-US" baseline="0" dirty="0"/>
               <a:t> a visualization of cloning, where you take a repository stored on a remote host, and then put it on your computer, creating a symbolic link to the repository on the remote host for further modification.</a:t>
             </a:r>
             <a:endParaRPr lang="en-US" dirty="0"/>
@@ -13074,7 +13083,12 @@
             <p:ph type="sldImg"/>
           </p:nvPr>
         </p:nvSpPr>
-        <p:spPr/>
+        <p:spPr>
+          <a:xfrm>
+            <a:off x="381000" y="685800"/>
+            <a:ext cx="6096000" cy="3429000"/>
+          </a:xfrm>
+        </p:spPr>
       </p:sp>
       <p:sp>
         <p:nvSpPr>
@@ -13095,7 +13109,7 @@
               <a:buAutoNum type="arabicPeriod"/>
             </a:pPr>
             <a:r>
-              <a:rPr lang="en-US" baseline="0" dirty="0" smtClean="0"/>
+              <a:rPr lang="en-US" baseline="0" dirty="0"/>
               <a:t>You cannot push unless you’ve made a commit.</a:t>
             </a:r>
           </a:p>
@@ -13104,7 +13118,7 @@
               <a:buAutoNum type="arabicPeriod"/>
             </a:pPr>
             <a:r>
-              <a:rPr lang="en-US" baseline="0" dirty="0" smtClean="0"/>
+              <a:rPr lang="en-US" baseline="0" dirty="0"/>
               <a:t>(Make modifications on local and commit/push)</a:t>
             </a:r>
             <a:endParaRPr lang="en-US" dirty="0"/>
@@ -13151,7 +13165,12 @@
             <p:ph type="sldImg"/>
           </p:nvPr>
         </p:nvSpPr>
-        <p:spPr/>
+        <p:spPr>
+          <a:xfrm>
+            <a:off x="381000" y="685800"/>
+            <a:ext cx="6096000" cy="3429000"/>
+          </a:xfrm>
+        </p:spPr>
       </p:sp>
       <p:sp>
         <p:nvSpPr>
@@ -13172,11 +13191,11 @@
               <a:buAutoNum type="arabicPeriod"/>
             </a:pPr>
             <a:r>
-              <a:rPr lang="en-US" dirty="0" smtClean="0"/>
+              <a:rPr lang="en-US" dirty="0"/>
               <a:t>This is just</a:t>
             </a:r>
             <a:r>
-              <a:rPr lang="en-US" baseline="0" dirty="0" smtClean="0"/>
+              <a:rPr lang="en-US" baseline="0" dirty="0"/>
               <a:t> a visualization of pushing.</a:t>
             </a:r>
           </a:p>
@@ -13185,7 +13204,7 @@
               <a:buAutoNum type="arabicPeriod"/>
             </a:pPr>
             <a:r>
-              <a:rPr lang="en-US" baseline="0" dirty="0" smtClean="0"/>
+              <a:rPr lang="en-US" baseline="0" dirty="0"/>
               <a:t>After making modifications to a cloned repository, committing the code and pushing it will then bring the repository on the remote host up to date.</a:t>
             </a:r>
             <a:endParaRPr lang="en-US" dirty="0"/>
@@ -13232,7 +13251,12 @@
             <p:ph type="sldImg"/>
           </p:nvPr>
         </p:nvSpPr>
-        <p:spPr/>
+        <p:spPr>
+          <a:xfrm>
+            <a:off x="381000" y="685800"/>
+            <a:ext cx="6096000" cy="3429000"/>
+          </a:xfrm>
+        </p:spPr>
       </p:sp>
       <p:sp>
         <p:nvSpPr>
@@ -13253,11 +13277,11 @@
               <a:buAutoNum type="arabicPeriod"/>
             </a:pPr>
             <a:r>
-              <a:rPr lang="en-US" dirty="0" smtClean="0"/>
+              <a:rPr lang="en-US" dirty="0"/>
               <a:t>Pulling is</a:t>
             </a:r>
             <a:r>
-              <a:rPr lang="en-US" baseline="0" dirty="0" smtClean="0"/>
+              <a:rPr lang="en-US" baseline="0" dirty="0"/>
               <a:t> how you synchronize code locally to code stored on a remote repository. </a:t>
             </a:r>
           </a:p>
@@ -13266,7 +13290,7 @@
               <a:buAutoNum type="arabicPeriod"/>
             </a:pPr>
             <a:r>
-              <a:rPr lang="en-US" baseline="0" dirty="0" smtClean="0"/>
+              <a:rPr lang="en-US" baseline="0" dirty="0"/>
               <a:t>Before you start working on any code, always make sure to pull first, otherwise you’ll be working with outdated code which could have changed significantly.</a:t>
             </a:r>
           </a:p>
@@ -13312,7 +13336,12 @@
             <p:ph type="sldImg"/>
           </p:nvPr>
         </p:nvSpPr>
-        <p:spPr/>
+        <p:spPr>
+          <a:xfrm>
+            <a:off x="381000" y="685800"/>
+            <a:ext cx="6096000" cy="3429000"/>
+          </a:xfrm>
+        </p:spPr>
       </p:sp>
       <p:sp>
         <p:nvSpPr>
@@ -13347,11 +13376,11 @@
               <a:defRPr/>
             </a:pPr>
             <a:r>
-              <a:rPr lang="en-US" dirty="0" smtClean="0"/>
+              <a:rPr lang="en-US" dirty="0"/>
               <a:t>1. This</a:t>
             </a:r>
             <a:r>
-              <a:rPr lang="en-US" baseline="0" dirty="0" smtClean="0"/>
+              <a:rPr lang="en-US" baseline="0" dirty="0"/>
               <a:t> is just a visualization of pulling a repository, where outdated code on your computer is updated with code located on a remote host.</a:t>
             </a:r>
             <a:endParaRPr lang="en-US" dirty="0"/>
@@ -13424,11 +13453,11 @@
               <a:buAutoNum type="arabicPeriod"/>
             </a:pPr>
             <a:r>
-              <a:rPr lang="en-US" dirty="0" smtClean="0"/>
+              <a:rPr lang="en-US" dirty="0"/>
               <a:t>Branching is an excellent</a:t>
             </a:r>
             <a:r>
-              <a:rPr lang="en-US" baseline="0" dirty="0" smtClean="0"/>
+              <a:rPr lang="en-US" baseline="0" dirty="0"/>
               <a:t> way of keeping your code from impacting the code that other people work with until you’re sure that it’s ready to.</a:t>
             </a:r>
           </a:p>
@@ -13437,7 +13466,7 @@
               <a:buAutoNum type="arabicPeriod"/>
             </a:pPr>
             <a:r>
-              <a:rPr lang="en-US" baseline="0" dirty="0" smtClean="0"/>
+              <a:rPr lang="en-US" baseline="0" dirty="0"/>
               <a:t>The “branch” command creates the requested branch</a:t>
             </a:r>
           </a:p>
@@ -13446,7 +13475,7 @@
               <a:buAutoNum type="arabicPeriod"/>
             </a:pPr>
             <a:r>
-              <a:rPr lang="en-US" baseline="0" dirty="0" smtClean="0"/>
+              <a:rPr lang="en-US" baseline="0" dirty="0"/>
               <a:t>The “checkout” command allows you to switch to the specified branch to modify code on it.  To switch back to the original branch, just “checkout” that branch.</a:t>
             </a:r>
           </a:p>
@@ -13492,7 +13521,12 @@
             <p:ph type="sldImg"/>
           </p:nvPr>
         </p:nvSpPr>
-        <p:spPr/>
+        <p:spPr>
+          <a:xfrm>
+            <a:off x="381000" y="685800"/>
+            <a:ext cx="6096000" cy="3429000"/>
+          </a:xfrm>
+        </p:spPr>
       </p:sp>
       <p:sp>
         <p:nvSpPr>
@@ -13513,7 +13547,7 @@
               <a:buAutoNum type="arabicPeriod"/>
             </a:pPr>
             <a:r>
-              <a:rPr lang="en-US" dirty="0" smtClean="0"/>
+              <a:rPr lang="en-US" dirty="0"/>
               <a:t>This is just a visualization of branching.</a:t>
             </a:r>
           </a:p>
@@ -13522,20 +13556,38 @@
               <a:buAutoNum type="arabicPeriod"/>
             </a:pPr>
             <a:r>
-              <a:rPr lang="en-US" dirty="0" smtClean="0"/>
+              <a:rPr lang="en-US" dirty="0"/>
               <a:t>The</a:t>
             </a:r>
             <a:r>
-              <a:rPr lang="en-US" baseline="0" dirty="0" smtClean="0"/>
+              <a:rPr lang="en-US" baseline="0" dirty="0"/>
               <a:t> master branch (the root branch of the repository) is an extremely important branch that should only have </a:t>
             </a:r>
             <a:r>
-              <a:rPr lang="en-US" b="1" i="1" u="sng" baseline="0" dirty="0" smtClean="0"/>
+              <a:rPr lang="en-US" b="1" i="1" u="sng" baseline="0" dirty="0"/>
               <a:t>working</a:t>
             </a:r>
             <a:r>
-              <a:rPr lang="en-US" b="0" i="0" u="none" baseline="0" dirty="0" smtClean="0"/>
-              <a:t> code on it. I can’t emphasize this enough.</a:t>
+              <a:rPr lang="en-US" b="0" i="0" u="none" baseline="0" dirty="0"/>
+              <a:t> code on it.</a:t>
+            </a:r>
+          </a:p>
+          <a:p>
+            <a:pPr marL="228600" indent="-228600">
+              <a:buAutoNum type="arabicPeriod"/>
+            </a:pPr>
+            <a:r>
+              <a:rPr lang="en-US" b="0" i="0" u="none" baseline="0" dirty="0"/>
+              <a:t>Thus, you want to make any experimental code on its own branch, so that way if it breaks, it doesn’t break on master, and then later on bring that code (once you’re sure that it works) in.</a:t>
+            </a:r>
+          </a:p>
+          <a:p>
+            <a:pPr marL="228600" indent="-228600">
+              <a:buAutoNum type="arabicPeriod"/>
+            </a:pPr>
+            <a:r>
+              <a:rPr lang="en-US" b="0" i="0" u="none" baseline="0" dirty="0"/>
+              <a:t>But how do you bring it in?</a:t>
             </a:r>
             <a:endParaRPr lang="en-US" dirty="0"/>
           </a:p>
@@ -13545,6 +13597,125 @@
     <p:extLst>
       <p:ext uri="{BB962C8B-B14F-4D97-AF65-F5344CB8AC3E}">
         <p14:creationId xmlns:p14="http://schemas.microsoft.com/office/powerpoint/2010/main" val="1566025187"/>
+      </p:ext>
+    </p:extLst>
+  </p:cSld>
+  <p:clrMapOvr>
+    <a:masterClrMapping/>
+  </p:clrMapOvr>
+</p:notes>
+</file>
+
+<file path=ppt/notesSlides/notesSlide19.xml><?xml version="1.0" encoding="utf-8"?>
+<p:notes xmlns:a="http://schemas.openxmlformats.org/drawingml/2006/main" xmlns:r="http://schemas.openxmlformats.org/officeDocument/2006/relationships" xmlns:p="http://schemas.openxmlformats.org/presentationml/2006/main">
+  <p:cSld>
+    <p:spTree>
+      <p:nvGrpSpPr>
+        <p:cNvPr id="1" name=""/>
+        <p:cNvGrpSpPr/>
+        <p:nvPr/>
+      </p:nvGrpSpPr>
+      <p:grpSpPr>
+        <a:xfrm>
+          <a:off x="0" y="0"/>
+          <a:ext cx="0" cy="0"/>
+          <a:chOff x="0" y="0"/>
+          <a:chExt cx="0" cy="0"/>
+        </a:xfrm>
+      </p:grpSpPr>
+      <p:sp>
+        <p:nvSpPr>
+          <p:cNvPr id="2" name="Slide Image Placeholder 1"/>
+          <p:cNvSpPr>
+            <a:spLocks noGrp="1" noRot="1" noChangeAspect="1"/>
+          </p:cNvSpPr>
+          <p:nvPr>
+            <p:ph type="sldImg"/>
+          </p:nvPr>
+        </p:nvSpPr>
+        <p:spPr>
+          <a:xfrm>
+            <a:off x="381000" y="685800"/>
+            <a:ext cx="6096000" cy="3429000"/>
+          </a:xfrm>
+        </p:spPr>
+      </p:sp>
+      <p:sp>
+        <p:nvSpPr>
+          <p:cNvPr id="3" name="Notes Placeholder 2"/>
+          <p:cNvSpPr>
+            <a:spLocks noGrp="1"/>
+          </p:cNvSpPr>
+          <p:nvPr>
+            <p:ph type="body" idx="1"/>
+          </p:nvPr>
+        </p:nvSpPr>
+        <p:spPr/>
+        <p:txBody>
+          <a:bodyPr/>
+          <a:lstStyle/>
+          <a:p>
+            <a:pPr marL="228600" indent="-228600">
+              <a:buAutoNum type="arabicPeriod"/>
+            </a:pPr>
+            <a:r>
+              <a:rPr lang="en-US" dirty="0"/>
+              <a:t>Merging is how you bring branched code into another branch.  </a:t>
+            </a:r>
+          </a:p>
+          <a:p>
+            <a:pPr marL="228600" indent="-228600">
+              <a:buAutoNum type="arabicPeriod"/>
+            </a:pPr>
+            <a:r>
+              <a:rPr lang="en-US" dirty="0"/>
+              <a:t>Say for example, that I’m on the master branch, and I want to merge </a:t>
+            </a:r>
+            <a:r>
+              <a:rPr lang="en-US" dirty="0">
+                <a:latin typeface="Courier New" panose="02070309020205020404" pitchFamily="49" charset="0"/>
+                <a:cs typeface="Courier New" panose="02070309020205020404" pitchFamily="49" charset="0"/>
+              </a:rPr>
+              <a:t>my-branch’s changes into master.</a:t>
+            </a:r>
+          </a:p>
+          <a:p>
+            <a:pPr marL="228600" indent="-228600">
+              <a:buAutoNum type="arabicPeriod"/>
+            </a:pPr>
+            <a:r>
+              <a:rPr lang="en-US" dirty="0">
+                <a:latin typeface="Courier New" panose="02070309020205020404" pitchFamily="49" charset="0"/>
+                <a:cs typeface="Courier New" panose="02070309020205020404" pitchFamily="49" charset="0"/>
+              </a:rPr>
+              <a:t>You checkout master, and </a:t>
+            </a:r>
+            <a:r>
+              <a:rPr lang="en-US" b="1" u="sng" dirty="0">
+                <a:latin typeface="Courier New" panose="02070309020205020404" pitchFamily="49" charset="0"/>
+                <a:cs typeface="Courier New" panose="02070309020205020404" pitchFamily="49" charset="0"/>
+              </a:rPr>
+              <a:t>git merge my-branch</a:t>
+            </a:r>
+          </a:p>
+          <a:p>
+            <a:pPr marL="228600" indent="-228600">
+              <a:buAutoNum type="arabicPeriod"/>
+            </a:pPr>
+            <a:r>
+              <a:rPr lang="en-US" b="0" u="none" dirty="0">
+                <a:latin typeface="Courier New" panose="02070309020205020404" pitchFamily="49" charset="0"/>
+                <a:cs typeface="Courier New" panose="02070309020205020404" pitchFamily="49" charset="0"/>
+              </a:rPr>
+              <a:t>It’ll merge!</a:t>
+            </a:r>
+          </a:p>
+        </p:txBody>
+      </p:sp>
+    </p:spTree>
+    <p:extLst>
+      <p:ext uri="{BB962C8B-B14F-4D97-AF65-F5344CB8AC3E}">
+        <p14:creationId xmlns:p14="http://schemas.microsoft.com/office/powerpoint/2010/main" val="465055539"/>
       </p:ext>
     </p:extLst>
   </p:cSld>
@@ -13644,14 +13815,14 @@
               <a:buAutoNum type="arabicPeriod"/>
             </a:pPr>
             <a:r>
-              <a:rPr lang="en-US" dirty="0" smtClean="0"/>
+              <a:rPr lang="en-US" dirty="0"/>
               <a:t>Read</a:t>
             </a:r>
             <a:r>
-              <a:rPr lang="en-US" baseline="0" dirty="0" smtClean="0"/>
+              <a:rPr lang="en-US" baseline="0" dirty="0"/>
               <a:t> title</a:t>
             </a:r>
-            <a:endParaRPr lang="en-US" dirty="0" smtClean="0"/>
+            <a:endParaRPr lang="en-US" dirty="0"/>
           </a:p>
           <a:p>
             <a:pPr marL="228600" lvl="0" indent="-228600">
@@ -13672,7 +13843,522 @@
 </p:notes>
 </file>
 
-<file path=ppt/notesSlides/notesSlide3.xml><?xml version="1.0" encoding="utf-8"?>
+<file path=ppt/notesSlides/notesSlide20.xml><?xml version="1.0" encoding="utf-8"?>
+<p:notes xmlns:a="http://schemas.openxmlformats.org/drawingml/2006/main" xmlns:r="http://schemas.openxmlformats.org/officeDocument/2006/relationships" xmlns:p="http://schemas.openxmlformats.org/presentationml/2006/main">
+  <p:cSld>
+    <p:spTree>
+      <p:nvGrpSpPr>
+        <p:cNvPr id="1" name=""/>
+        <p:cNvGrpSpPr/>
+        <p:nvPr/>
+      </p:nvGrpSpPr>
+      <p:grpSpPr>
+        <a:xfrm>
+          <a:off x="0" y="0"/>
+          <a:ext cx="0" cy="0"/>
+          <a:chOff x="0" y="0"/>
+          <a:chExt cx="0" cy="0"/>
+        </a:xfrm>
+      </p:grpSpPr>
+      <p:sp>
+        <p:nvSpPr>
+          <p:cNvPr id="2" name="Slide Image Placeholder 1"/>
+          <p:cNvSpPr>
+            <a:spLocks noGrp="1" noRot="1" noChangeAspect="1"/>
+          </p:cNvSpPr>
+          <p:nvPr>
+            <p:ph type="sldImg"/>
+          </p:nvPr>
+        </p:nvSpPr>
+        <p:spPr>
+          <a:xfrm>
+            <a:off x="381000" y="685800"/>
+            <a:ext cx="6096000" cy="3429000"/>
+          </a:xfrm>
+        </p:spPr>
+      </p:sp>
+      <p:sp>
+        <p:nvSpPr>
+          <p:cNvPr id="3" name="Notes Placeholder 2"/>
+          <p:cNvSpPr>
+            <a:spLocks noGrp="1"/>
+          </p:cNvSpPr>
+          <p:nvPr>
+            <p:ph type="body" idx="1"/>
+          </p:nvPr>
+        </p:nvSpPr>
+        <p:spPr/>
+        <p:txBody>
+          <a:bodyPr/>
+          <a:lstStyle/>
+          <a:p>
+            <a:pPr marL="228600" indent="-228600">
+              <a:buAutoNum type="arabicPeriod"/>
+            </a:pPr>
+            <a:r>
+              <a:rPr lang="en-US" dirty="0"/>
+              <a:t>So here’s how merging looks once it’s completed!</a:t>
+            </a:r>
+          </a:p>
+          <a:p>
+            <a:pPr marL="228600" indent="-228600">
+              <a:buAutoNum type="arabicPeriod"/>
+            </a:pPr>
+            <a:r>
+              <a:rPr lang="en-US" dirty="0"/>
+              <a:t>Many people will </a:t>
+            </a:r>
+            <a:r>
+              <a:rPr lang="en-US" b="1" u="sng" dirty="0"/>
+              <a:t>protect</a:t>
+            </a:r>
+            <a:r>
+              <a:rPr lang="en-US" b="1" dirty="0"/>
+              <a:t> </a:t>
+            </a:r>
+            <a:r>
+              <a:rPr lang="en-US" dirty="0"/>
+              <a:t>their </a:t>
+            </a:r>
+            <a:r>
+              <a:rPr lang="en-US" b="1" u="sng" dirty="0"/>
+              <a:t>master</a:t>
+            </a:r>
+            <a:r>
+              <a:rPr lang="en-US" b="0" u="none" dirty="0"/>
+              <a:t> branch</a:t>
+            </a:r>
+          </a:p>
+          <a:p>
+            <a:pPr marL="228600" indent="-228600">
+              <a:buAutoNum type="arabicPeriod"/>
+            </a:pPr>
+            <a:r>
+              <a:rPr lang="en-US" b="0" u="none" dirty="0"/>
+              <a:t>Many times you’ll have to make a </a:t>
+            </a:r>
+            <a:r>
+              <a:rPr lang="en-US" b="1" u="sng" dirty="0"/>
+              <a:t>pull request</a:t>
+            </a:r>
+            <a:r>
+              <a:rPr lang="en-US" b="0" u="none" dirty="0"/>
+              <a:t>, where you have to have your changes approved by other members of your project.</a:t>
+            </a:r>
+          </a:p>
+          <a:p>
+            <a:pPr marL="228600" indent="-228600">
+              <a:buAutoNum type="arabicPeriod"/>
+            </a:pPr>
+            <a:r>
+              <a:rPr lang="en-US" b="0" u="none" dirty="0"/>
+              <a:t>And that looks like this! -&gt;</a:t>
+            </a:r>
+            <a:endParaRPr lang="en-US" b="1" u="sng" dirty="0"/>
+          </a:p>
+        </p:txBody>
+      </p:sp>
+    </p:spTree>
+    <p:extLst>
+      <p:ext uri="{BB962C8B-B14F-4D97-AF65-F5344CB8AC3E}">
+        <p14:creationId xmlns:p14="http://schemas.microsoft.com/office/powerpoint/2010/main" val="1993411065"/>
+      </p:ext>
+    </p:extLst>
+  </p:cSld>
+  <p:clrMapOvr>
+    <a:masterClrMapping/>
+  </p:clrMapOvr>
+</p:notes>
+</file>
+
+<file path=ppt/notesSlides/notesSlide21.xml><?xml version="1.0" encoding="utf-8"?>
+<p:notes xmlns:a="http://schemas.openxmlformats.org/drawingml/2006/main" xmlns:r="http://schemas.openxmlformats.org/officeDocument/2006/relationships" xmlns:p="http://schemas.openxmlformats.org/presentationml/2006/main">
+  <p:cSld>
+    <p:spTree>
+      <p:nvGrpSpPr>
+        <p:cNvPr id="1" name=""/>
+        <p:cNvGrpSpPr/>
+        <p:nvPr/>
+      </p:nvGrpSpPr>
+      <p:grpSpPr>
+        <a:xfrm>
+          <a:off x="0" y="0"/>
+          <a:ext cx="0" cy="0"/>
+          <a:chOff x="0" y="0"/>
+          <a:chExt cx="0" cy="0"/>
+        </a:xfrm>
+      </p:grpSpPr>
+      <p:sp>
+        <p:nvSpPr>
+          <p:cNvPr id="2" name="Slide Image Placeholder 1"/>
+          <p:cNvSpPr>
+            <a:spLocks noGrp="1" noRot="1" noChangeAspect="1"/>
+          </p:cNvSpPr>
+          <p:nvPr>
+            <p:ph type="sldImg"/>
+          </p:nvPr>
+        </p:nvSpPr>
+        <p:spPr>
+          <a:xfrm>
+            <a:off x="381000" y="685800"/>
+            <a:ext cx="6096000" cy="3429000"/>
+          </a:xfrm>
+        </p:spPr>
+      </p:sp>
+      <p:sp>
+        <p:nvSpPr>
+          <p:cNvPr id="3" name="Notes Placeholder 2"/>
+          <p:cNvSpPr>
+            <a:spLocks noGrp="1"/>
+          </p:cNvSpPr>
+          <p:nvPr>
+            <p:ph type="body" idx="1"/>
+          </p:nvPr>
+        </p:nvSpPr>
+        <p:spPr/>
+        <p:txBody>
+          <a:bodyPr/>
+          <a:lstStyle/>
+          <a:p>
+            <a:pPr marL="228600" indent="-228600">
+              <a:buAutoNum type="arabicPeriod"/>
+            </a:pPr>
+            <a:r>
+              <a:rPr lang="en-US" dirty="0"/>
+              <a:t>Base and compare (branch to merge into &amp; merging branch)</a:t>
+            </a:r>
+          </a:p>
+          <a:p>
+            <a:pPr marL="228600" indent="-228600">
+              <a:buAutoNum type="arabicPeriod"/>
+            </a:pPr>
+            <a:r>
+              <a:rPr lang="en-US" dirty="0"/>
+              <a:t>Reviewers</a:t>
+            </a:r>
+          </a:p>
+          <a:p>
+            <a:pPr marL="228600" indent="-228600">
+              <a:buAutoNum type="arabicPeriod"/>
+            </a:pPr>
+            <a:r>
+              <a:rPr lang="en-US" dirty="0"/>
+              <a:t>Assignees</a:t>
+            </a:r>
+          </a:p>
+          <a:p>
+            <a:pPr marL="228600" indent="-228600">
+              <a:buAutoNum type="arabicPeriod"/>
+            </a:pPr>
+            <a:r>
+              <a:rPr lang="en-US" dirty="0"/>
+              <a:t>Labels</a:t>
+            </a:r>
+          </a:p>
+          <a:p>
+            <a:pPr marL="228600" indent="-228600">
+              <a:buAutoNum type="arabicPeriod"/>
+            </a:pPr>
+            <a:r>
+              <a:rPr lang="en-US" dirty="0"/>
+              <a:t>Milestones</a:t>
+            </a:r>
+          </a:p>
+        </p:txBody>
+      </p:sp>
+    </p:spTree>
+    <p:extLst>
+      <p:ext uri="{BB962C8B-B14F-4D97-AF65-F5344CB8AC3E}">
+        <p14:creationId xmlns:p14="http://schemas.microsoft.com/office/powerpoint/2010/main" val="720476581"/>
+      </p:ext>
+    </p:extLst>
+  </p:cSld>
+  <p:clrMapOvr>
+    <a:masterClrMapping/>
+  </p:clrMapOvr>
+</p:notes>
+</file>
+
+<file path=ppt/notesSlides/notesSlide22.xml><?xml version="1.0" encoding="utf-8"?>
+<p:notes xmlns:a="http://schemas.openxmlformats.org/drawingml/2006/main" xmlns:r="http://schemas.openxmlformats.org/officeDocument/2006/relationships" xmlns:p="http://schemas.openxmlformats.org/presentationml/2006/main">
+  <p:cSld>
+    <p:spTree>
+      <p:nvGrpSpPr>
+        <p:cNvPr id="1" name=""/>
+        <p:cNvGrpSpPr/>
+        <p:nvPr/>
+      </p:nvGrpSpPr>
+      <p:grpSpPr>
+        <a:xfrm>
+          <a:off x="0" y="0"/>
+          <a:ext cx="0" cy="0"/>
+          <a:chOff x="0" y="0"/>
+          <a:chExt cx="0" cy="0"/>
+        </a:xfrm>
+      </p:grpSpPr>
+      <p:sp>
+        <p:nvSpPr>
+          <p:cNvPr id="2" name="Slide Image Placeholder 1"/>
+          <p:cNvSpPr>
+            <a:spLocks noGrp="1" noRot="1" noChangeAspect="1"/>
+          </p:cNvSpPr>
+          <p:nvPr>
+            <p:ph type="sldImg"/>
+          </p:nvPr>
+        </p:nvSpPr>
+        <p:spPr>
+          <a:xfrm>
+            <a:off x="381000" y="685800"/>
+            <a:ext cx="6096000" cy="3429000"/>
+          </a:xfrm>
+        </p:spPr>
+      </p:sp>
+      <p:sp>
+        <p:nvSpPr>
+          <p:cNvPr id="3" name="Notes Placeholder 2"/>
+          <p:cNvSpPr>
+            <a:spLocks noGrp="1"/>
+          </p:cNvSpPr>
+          <p:nvPr>
+            <p:ph type="body" idx="1"/>
+          </p:nvPr>
+        </p:nvSpPr>
+        <p:spPr/>
+        <p:txBody>
+          <a:bodyPr/>
+          <a:lstStyle/>
+          <a:p>
+            <a:pPr marL="228600" indent="-228600">
+              <a:buAutoNum type="arabicPeriod"/>
+            </a:pPr>
+            <a:r>
+              <a:rPr lang="en-US" dirty="0"/>
+              <a:t>Merge conflicts are a pain, but they’re survivable and they’re a great way for you to reevaluate your code.</a:t>
+            </a:r>
+          </a:p>
+          <a:p>
+            <a:pPr marL="228600" indent="-228600">
+              <a:buAutoNum type="arabicPeriod"/>
+            </a:pPr>
+            <a:r>
+              <a:rPr lang="en-US" dirty="0"/>
+              <a:t>They look really scary, but they’re actually quite simple.</a:t>
+            </a:r>
+          </a:p>
+          <a:p>
+            <a:pPr marL="228600" indent="-228600">
+              <a:buAutoNum type="arabicPeriod"/>
+            </a:pPr>
+            <a:r>
+              <a:rPr lang="en-US" dirty="0"/>
+              <a:t>Let’s break it down.</a:t>
+            </a:r>
+          </a:p>
+        </p:txBody>
+      </p:sp>
+    </p:spTree>
+    <p:extLst>
+      <p:ext uri="{BB962C8B-B14F-4D97-AF65-F5344CB8AC3E}">
+        <p14:creationId xmlns:p14="http://schemas.microsoft.com/office/powerpoint/2010/main" val="610146614"/>
+      </p:ext>
+    </p:extLst>
+  </p:cSld>
+  <p:clrMapOvr>
+    <a:masterClrMapping/>
+  </p:clrMapOvr>
+</p:notes>
+</file>
+
+<file path=ppt/notesSlides/notesSlide23.xml><?xml version="1.0" encoding="utf-8"?>
+<p:notes xmlns:a="http://schemas.openxmlformats.org/drawingml/2006/main" xmlns:r="http://schemas.openxmlformats.org/officeDocument/2006/relationships" xmlns:p="http://schemas.openxmlformats.org/presentationml/2006/main">
+  <p:cSld>
+    <p:spTree>
+      <p:nvGrpSpPr>
+        <p:cNvPr id="1" name=""/>
+        <p:cNvGrpSpPr/>
+        <p:nvPr/>
+      </p:nvGrpSpPr>
+      <p:grpSpPr>
+        <a:xfrm>
+          <a:off x="0" y="0"/>
+          <a:ext cx="0" cy="0"/>
+          <a:chOff x="0" y="0"/>
+          <a:chExt cx="0" cy="0"/>
+        </a:xfrm>
+      </p:grpSpPr>
+      <p:sp>
+        <p:nvSpPr>
+          <p:cNvPr id="2" name="Slide Image Placeholder 1"/>
+          <p:cNvSpPr>
+            <a:spLocks noGrp="1" noRot="1" noChangeAspect="1"/>
+          </p:cNvSpPr>
+          <p:nvPr>
+            <p:ph type="sldImg"/>
+          </p:nvPr>
+        </p:nvSpPr>
+        <p:spPr>
+          <a:xfrm>
+            <a:off x="381000" y="685800"/>
+            <a:ext cx="6096000" cy="3429000"/>
+          </a:xfrm>
+        </p:spPr>
+      </p:sp>
+      <p:sp>
+        <p:nvSpPr>
+          <p:cNvPr id="3" name="Notes Placeholder 2"/>
+          <p:cNvSpPr>
+            <a:spLocks noGrp="1"/>
+          </p:cNvSpPr>
+          <p:nvPr>
+            <p:ph type="body" idx="1"/>
+          </p:nvPr>
+        </p:nvSpPr>
+        <p:spPr/>
+        <p:txBody>
+          <a:bodyPr/>
+          <a:lstStyle/>
+          <a:p>
+            <a:pPr marL="228600" indent="-228600">
+              <a:buAutoNum type="arabicPeriod"/>
+            </a:pPr>
+            <a:r>
+              <a:rPr lang="en-US" dirty="0"/>
+              <a:t>Merge conflicts occur when you have two different users who modify the same sections of code.</a:t>
+            </a:r>
+          </a:p>
+          <a:p>
+            <a:pPr marL="228600" indent="-228600">
+              <a:buAutoNum type="arabicPeriod"/>
+            </a:pPr>
+            <a:r>
+              <a:rPr lang="en-US" dirty="0"/>
+              <a:t>Take for example these two lines of code: Both users modified line one.</a:t>
+            </a:r>
+          </a:p>
+          <a:p>
+            <a:pPr marL="228600" indent="-228600">
+              <a:buAutoNum type="arabicPeriod"/>
+            </a:pPr>
+            <a:r>
+              <a:rPr lang="en-US" dirty="0"/>
+              <a:t>How is Git supposed to know which version to use?</a:t>
+            </a:r>
+          </a:p>
+        </p:txBody>
+      </p:sp>
+    </p:spTree>
+    <p:extLst>
+      <p:ext uri="{BB962C8B-B14F-4D97-AF65-F5344CB8AC3E}">
+        <p14:creationId xmlns:p14="http://schemas.microsoft.com/office/powerpoint/2010/main" val="3066306094"/>
+      </p:ext>
+    </p:extLst>
+  </p:cSld>
+  <p:clrMapOvr>
+    <a:masterClrMapping/>
+  </p:clrMapOvr>
+</p:notes>
+</file>
+
+<file path=ppt/notesSlides/notesSlide24.xml><?xml version="1.0" encoding="utf-8"?>
+<p:notes xmlns:a="http://schemas.openxmlformats.org/drawingml/2006/main" xmlns:r="http://schemas.openxmlformats.org/officeDocument/2006/relationships" xmlns:p="http://schemas.openxmlformats.org/presentationml/2006/main">
+  <p:cSld>
+    <p:spTree>
+      <p:nvGrpSpPr>
+        <p:cNvPr id="1" name=""/>
+        <p:cNvGrpSpPr/>
+        <p:nvPr/>
+      </p:nvGrpSpPr>
+      <p:grpSpPr>
+        <a:xfrm>
+          <a:off x="0" y="0"/>
+          <a:ext cx="0" cy="0"/>
+          <a:chOff x="0" y="0"/>
+          <a:chExt cx="0" cy="0"/>
+        </a:xfrm>
+      </p:grpSpPr>
+      <p:sp>
+        <p:nvSpPr>
+          <p:cNvPr id="2" name="Slide Image Placeholder 1"/>
+          <p:cNvSpPr>
+            <a:spLocks noGrp="1" noRot="1" noChangeAspect="1"/>
+          </p:cNvSpPr>
+          <p:nvPr>
+            <p:ph type="sldImg"/>
+          </p:nvPr>
+        </p:nvSpPr>
+        <p:spPr>
+          <a:xfrm>
+            <a:off x="381000" y="685800"/>
+            <a:ext cx="6096000" cy="3429000"/>
+          </a:xfrm>
+        </p:spPr>
+      </p:sp>
+      <p:sp>
+        <p:nvSpPr>
+          <p:cNvPr id="3" name="Notes Placeholder 2"/>
+          <p:cNvSpPr>
+            <a:spLocks noGrp="1"/>
+          </p:cNvSpPr>
+          <p:nvPr>
+            <p:ph type="body" idx="1"/>
+          </p:nvPr>
+        </p:nvSpPr>
+        <p:spPr/>
+        <p:txBody>
+          <a:bodyPr/>
+          <a:lstStyle/>
+          <a:p>
+            <a:pPr marL="228600" indent="-228600">
+              <a:buAutoNum type="arabicPeriod"/>
+            </a:pPr>
+            <a:r>
+              <a:rPr lang="en-US" dirty="0"/>
+              <a:t>Merge conflicts look like this:</a:t>
+            </a:r>
+          </a:p>
+          <a:p>
+            <a:pPr marL="685800" lvl="1" indent="-228600">
+              <a:buAutoNum type="arabicPeriod"/>
+            </a:pPr>
+            <a:r>
+              <a:rPr lang="en-US" dirty="0"/>
+              <a:t>Left brackets followed by HEAD (which indicates their code)</a:t>
+            </a:r>
+          </a:p>
+          <a:p>
+            <a:pPr marL="685800" lvl="1" indent="-228600">
+              <a:buAutoNum type="arabicPeriod"/>
+            </a:pPr>
+            <a:r>
+              <a:rPr lang="en-US" dirty="0"/>
+              <a:t>A series of equals signs, indicating the change from their code to your code</a:t>
+            </a:r>
+          </a:p>
+          <a:p>
+            <a:pPr marL="685800" lvl="1" indent="-228600">
+              <a:buAutoNum type="arabicPeriod"/>
+            </a:pPr>
+            <a:r>
+              <a:rPr lang="en-US" dirty="0"/>
+              <a:t>Right brackets, which indicates the end of the merge conflict.</a:t>
+            </a:r>
+          </a:p>
+        </p:txBody>
+      </p:sp>
+    </p:spTree>
+    <p:extLst>
+      <p:ext uri="{BB962C8B-B14F-4D97-AF65-F5344CB8AC3E}">
+        <p14:creationId xmlns:p14="http://schemas.microsoft.com/office/powerpoint/2010/main" val="113387136"/>
+      </p:ext>
+    </p:extLst>
+  </p:cSld>
+  <p:clrMapOvr>
+    <a:masterClrMapping/>
+  </p:clrMapOvr>
+</p:notes>
+</file>
+
+<file path=ppt/notesSlides/notesSlide25.xml><?xml version="1.0" encoding="utf-8"?>
 <p:notes xmlns:a="http://schemas.openxmlformats.org/drawingml/2006/main" xmlns:r="http://schemas.openxmlformats.org/officeDocument/2006/relationships" xmlns:p="http://schemas.openxmlformats.org/presentationml/2006/main">
   <p:cSld>
     <p:spTree>
@@ -13716,29 +14402,95 @@
           <a:bodyPr/>
           <a:lstStyle/>
           <a:p>
+            <a:endParaRPr lang="en-US" dirty="0"/>
+          </a:p>
+        </p:txBody>
+      </p:sp>
+    </p:spTree>
+    <p:extLst>
+      <p:ext uri="{BB962C8B-B14F-4D97-AF65-F5344CB8AC3E}">
+        <p14:creationId xmlns:p14="http://schemas.microsoft.com/office/powerpoint/2010/main" val="2999795019"/>
+      </p:ext>
+    </p:extLst>
+  </p:cSld>
+  <p:clrMapOvr>
+    <a:masterClrMapping/>
+  </p:clrMapOvr>
+</p:notes>
+</file>
+
+<file path=ppt/notesSlides/notesSlide3.xml><?xml version="1.0" encoding="utf-8"?>
+<p:notes xmlns:a="http://schemas.openxmlformats.org/drawingml/2006/main" xmlns:r="http://schemas.openxmlformats.org/officeDocument/2006/relationships" xmlns:p="http://schemas.openxmlformats.org/presentationml/2006/main">
+  <p:cSld>
+    <p:spTree>
+      <p:nvGrpSpPr>
+        <p:cNvPr id="1" name=""/>
+        <p:cNvGrpSpPr/>
+        <p:nvPr/>
+      </p:nvGrpSpPr>
+      <p:grpSpPr>
+        <a:xfrm>
+          <a:off x="0" y="0"/>
+          <a:ext cx="0" cy="0"/>
+          <a:chOff x="0" y="0"/>
+          <a:chExt cx="0" cy="0"/>
+        </a:xfrm>
+      </p:grpSpPr>
+      <p:sp>
+        <p:nvSpPr>
+          <p:cNvPr id="2" name="Slide Image Placeholder 1"/>
+          <p:cNvSpPr>
+            <a:spLocks noGrp="1" noRot="1" noChangeAspect="1"/>
+          </p:cNvSpPr>
+          <p:nvPr>
+            <p:ph type="sldImg"/>
+          </p:nvPr>
+        </p:nvSpPr>
+        <p:spPr>
+          <a:xfrm>
+            <a:off x="381000" y="685800"/>
+            <a:ext cx="6096000" cy="3429000"/>
+          </a:xfrm>
+        </p:spPr>
+      </p:sp>
+      <p:sp>
+        <p:nvSpPr>
+          <p:cNvPr id="3" name="Notes Placeholder 2"/>
+          <p:cNvSpPr>
+            <a:spLocks noGrp="1"/>
+          </p:cNvSpPr>
+          <p:nvPr>
+            <p:ph type="body" idx="1"/>
+          </p:nvPr>
+        </p:nvSpPr>
+        <p:spPr/>
+        <p:txBody>
+          <a:bodyPr/>
+          <a:lstStyle/>
+          <a:p>
             <a:pPr marL="0" indent="0">
               <a:buNone/>
             </a:pPr>
             <a:r>
-              <a:rPr lang="en-US" dirty="0" smtClean="0"/>
+              <a:rPr lang="en-US" dirty="0"/>
               <a:t>Read</a:t>
             </a:r>
             <a:r>
-              <a:rPr lang="en-US" baseline="0" dirty="0" smtClean="0"/>
+              <a:rPr lang="en-US" baseline="0" dirty="0"/>
               <a:t> the columns left-down snake</a:t>
             </a:r>
-            <a:endParaRPr lang="en-US" dirty="0" smtClean="0"/>
+            <a:endParaRPr lang="en-US" dirty="0"/>
           </a:p>
           <a:p>
             <a:pPr marL="228600" indent="-228600">
               <a:buAutoNum type="arabicPeriod"/>
             </a:pPr>
             <a:r>
-              <a:rPr lang="en-US" dirty="0" smtClean="0"/>
+              <a:rPr lang="en-US" dirty="0"/>
               <a:t>Going</a:t>
             </a:r>
             <a:r>
-              <a:rPr lang="en-US" baseline="0" dirty="0" smtClean="0"/>
+              <a:rPr lang="en-US" baseline="0" dirty="0"/>
               <a:t> to cover Git first, then cover GitHub.</a:t>
             </a:r>
           </a:p>
@@ -13747,7 +14499,7 @@
               <a:buAutoNum type="arabicPeriod"/>
             </a:pPr>
             <a:r>
-              <a:rPr lang="en-US" baseline="0" dirty="0" smtClean="0"/>
+              <a:rPr lang="en-US" baseline="0" dirty="0"/>
               <a:t>Need to know how to use Git before using GitHub</a:t>
             </a:r>
           </a:p>
@@ -13756,7 +14508,7 @@
               <a:buNone/>
             </a:pPr>
             <a:r>
-              <a:rPr lang="en-US" baseline="0" dirty="0" smtClean="0"/>
+              <a:rPr lang="en-US" baseline="0" dirty="0"/>
               <a:t>“So let’s start with…”</a:t>
             </a:r>
           </a:p>
@@ -13802,7 +14554,12 @@
             <p:ph type="sldImg"/>
           </p:nvPr>
         </p:nvSpPr>
-        <p:spPr/>
+        <p:spPr>
+          <a:xfrm>
+            <a:off x="381000" y="685800"/>
+            <a:ext cx="6096000" cy="3429000"/>
+          </a:xfrm>
+        </p:spPr>
       </p:sp>
       <p:sp>
         <p:nvSpPr>
@@ -13889,21 +14646,20 @@
               <a:buAutoNum type="arabicPeriod"/>
             </a:pPr>
             <a:r>
-              <a:rPr lang="en-US" dirty="0" smtClean="0"/>
+              <a:rPr lang="en-US" dirty="0"/>
               <a:t>Version</a:t>
             </a:r>
             <a:r>
-              <a:rPr lang="en-US" baseline="0" dirty="0" smtClean="0"/>
+              <a:rPr lang="en-US" baseline="0" dirty="0"/>
               <a:t> control is important to creating a smooth workflow and for preventing disaster.</a:t>
             </a:r>
-            <a:endParaRPr lang="en-US" baseline="0" dirty="0"/>
           </a:p>
           <a:p>
             <a:pPr marL="228600" indent="-228600">
               <a:buAutoNum type="arabicPeriod"/>
             </a:pPr>
             <a:r>
-              <a:rPr lang="en-US" baseline="0" dirty="0" smtClean="0"/>
+              <a:rPr lang="en-US" baseline="0" dirty="0"/>
               <a:t>I’ve tried other version control, specifically Apache Subversion (SVN), and found Git to be more intuitive.</a:t>
             </a:r>
           </a:p>
@@ -13949,7 +14705,12 @@
             <p:ph type="sldImg"/>
           </p:nvPr>
         </p:nvSpPr>
-        <p:spPr/>
+        <p:spPr>
+          <a:xfrm>
+            <a:off x="381000" y="685800"/>
+            <a:ext cx="6096000" cy="3429000"/>
+          </a:xfrm>
+        </p:spPr>
       </p:sp>
       <p:sp>
         <p:nvSpPr>
@@ -13970,37 +14731,37 @@
               <a:buAutoNum type="arabicPeriod"/>
             </a:pPr>
             <a:r>
-              <a:rPr lang="en-US" dirty="0" smtClean="0"/>
+              <a:rPr lang="en-US" dirty="0"/>
               <a:t>Making</a:t>
             </a:r>
             <a:r>
-              <a:rPr lang="en-US" baseline="0" dirty="0" smtClean="0"/>
+              <a:rPr lang="en-US" baseline="0" dirty="0"/>
               <a:t> a Git repo is as easy as writing two commands: </a:t>
             </a:r>
             <a:r>
-              <a:rPr lang="en-US" baseline="0" dirty="0" err="1" smtClean="0"/>
+              <a:rPr lang="en-US" baseline="0" dirty="0" err="1"/>
               <a:t>mkdir</a:t>
             </a:r>
             <a:r>
-              <a:rPr lang="en-US" baseline="0" dirty="0" smtClean="0"/>
+              <a:rPr lang="en-US" baseline="0" dirty="0"/>
               <a:t> and git </a:t>
             </a:r>
             <a:r>
-              <a:rPr lang="en-US" baseline="0" dirty="0" err="1" smtClean="0"/>
+              <a:rPr lang="en-US" baseline="0" dirty="0" err="1"/>
               <a:t>init</a:t>
             </a:r>
-            <a:endParaRPr lang="en-US" baseline="0" dirty="0" smtClean="0"/>
+            <a:endParaRPr lang="en-US" baseline="0" dirty="0"/>
           </a:p>
           <a:p>
             <a:pPr marL="228600" indent="-228600">
               <a:buAutoNum type="arabicPeriod"/>
             </a:pPr>
             <a:r>
-              <a:rPr lang="en-US" baseline="0" dirty="0" err="1" smtClean="0"/>
+              <a:rPr lang="en-US" baseline="0" dirty="0" err="1"/>
               <a:t>Mkdir</a:t>
             </a:r>
             <a:r>
-              <a:rPr lang="en-US" baseline="0" dirty="0" smtClean="0"/>
+              <a:rPr lang="en-US" baseline="0" dirty="0"/>
               <a:t> = make directory</a:t>
             </a:r>
           </a:p>
@@ -14009,7 +14770,7 @@
               <a:buAutoNum type="arabicPeriod"/>
             </a:pPr>
             <a:r>
-              <a:rPr lang="en-US" baseline="0" dirty="0" smtClean="0"/>
+              <a:rPr lang="en-US" baseline="0" dirty="0"/>
               <a:t>cd = change directory</a:t>
             </a:r>
           </a:p>
@@ -14055,7 +14816,12 @@
             <p:ph type="sldImg"/>
           </p:nvPr>
         </p:nvSpPr>
-        <p:spPr/>
+        <p:spPr>
+          <a:xfrm>
+            <a:off x="381000" y="685800"/>
+            <a:ext cx="6096000" cy="3429000"/>
+          </a:xfrm>
+        </p:spPr>
       </p:sp>
       <p:sp>
         <p:nvSpPr>
@@ -14076,7 +14842,7 @@
               <a:buAutoNum type="arabicPeriod"/>
             </a:pPr>
             <a:r>
-              <a:rPr lang="en-US" baseline="0" dirty="0" smtClean="0"/>
+              <a:rPr lang="en-US" baseline="0" dirty="0"/>
               <a:t>Committing is a way of marking one’s progress in a Git repository.  </a:t>
             </a:r>
           </a:p>
@@ -14085,7 +14851,7 @@
               <a:buAutoNum type="arabicPeriod"/>
             </a:pPr>
             <a:r>
-              <a:rPr lang="en-US" baseline="0" dirty="0" smtClean="0"/>
+              <a:rPr lang="en-US" baseline="0" dirty="0"/>
               <a:t>It indicates that there has been a significant change in the code, significant enough to be worth recording.</a:t>
             </a:r>
           </a:p>
@@ -14094,7 +14860,7 @@
               <a:buAutoNum type="arabicPeriod"/>
             </a:pPr>
             <a:r>
-              <a:rPr lang="en-US" baseline="0" dirty="0" smtClean="0"/>
+              <a:rPr lang="en-US" baseline="0" dirty="0"/>
               <a:t>When you’ve completed a certain task or churned out a significant amount of code, or you’re just wrapping up for the day, make a commit. </a:t>
             </a:r>
           </a:p>
@@ -14103,7 +14869,7 @@
               <a:buAutoNum type="arabicPeriod"/>
             </a:pPr>
             <a:r>
-              <a:rPr lang="en-US" baseline="0" dirty="0" smtClean="0"/>
+              <a:rPr lang="en-US" baseline="0" dirty="0"/>
               <a:t>Making commits allows you to go back to a previous version of your code in case disaster strikes and your code somehow disappears.</a:t>
             </a:r>
           </a:p>
@@ -14175,7 +14941,7 @@
               <a:buAutoNum type="arabicPeriod"/>
             </a:pPr>
             <a:r>
-              <a:rPr lang="en-US" baseline="0" dirty="0" smtClean="0"/>
+              <a:rPr lang="en-US" baseline="0" dirty="0"/>
               <a:t>In order to track a file using Git, you have to indicate to Git that you want to track it. </a:t>
             </a:r>
           </a:p>
@@ -14184,15 +14950,15 @@
               <a:buAutoNum type="arabicPeriod"/>
             </a:pPr>
             <a:r>
-              <a:rPr lang="en-US" baseline="0" dirty="0" smtClean="0"/>
+              <a:rPr lang="en-US" baseline="0" dirty="0"/>
               <a:t>You accomplish this by </a:t>
             </a:r>
             <a:r>
-              <a:rPr lang="en-US" b="1" u="sng" baseline="0" dirty="0" smtClean="0"/>
+              <a:rPr lang="en-US" b="1" u="sng" baseline="0" dirty="0"/>
               <a:t>adding</a:t>
             </a:r>
             <a:r>
-              <a:rPr lang="en-US" b="0" u="none" baseline="0" dirty="0" smtClean="0"/>
+              <a:rPr lang="en-US" b="0" u="none" baseline="0" dirty="0"/>
               <a:t>.</a:t>
             </a:r>
           </a:p>
@@ -14201,7 +14967,7 @@
               <a:buAutoNum type="arabicPeriod"/>
             </a:pPr>
             <a:r>
-              <a:rPr lang="en-US" b="0" u="none" baseline="0" dirty="0" smtClean="0"/>
+              <a:rPr lang="en-US" b="0" u="none" baseline="0" dirty="0"/>
               <a:t>You can add everything at once using the “.”</a:t>
             </a:r>
           </a:p>
@@ -14210,7 +14976,7 @@
               <a:buAutoNum type="arabicPeriod"/>
             </a:pPr>
             <a:r>
-              <a:rPr lang="en-US" b="0" u="none" baseline="0" dirty="0" smtClean="0"/>
+              <a:rPr lang="en-US" b="0" u="none" baseline="0" dirty="0"/>
               <a:t>You could also add a specific file (though this can get clunky if you’ve added or created a significant number of files)</a:t>
             </a:r>
           </a:p>
@@ -14219,7 +14985,7 @@
               <a:buAutoNum type="arabicPeriod"/>
             </a:pPr>
             <a:r>
-              <a:rPr lang="en-US" b="0" u="none" baseline="0" dirty="0" smtClean="0"/>
+              <a:rPr lang="en-US" b="0" u="none" baseline="0" dirty="0"/>
               <a:t>You could add every file that ends in a given file extension (more helpful than the middle one)</a:t>
             </a:r>
           </a:p>
@@ -18116,31 +18882,6 @@
           <a:chExt cx="0" cy="0"/>
         </a:xfrm>
       </p:grpSpPr>
-      <p:sp>
-        <p:nvSpPr>
-          <p:cNvPr id="2" name="Title 1">
-            <a:extLst>
-              <a:ext uri="{FF2B5EF4-FFF2-40B4-BE49-F238E27FC236}">
-                <a16:creationId xmlns:a16="http://schemas.microsoft.com/office/drawing/2014/main" id="{A9835791-AD63-4198-989A-4A7AEE3A9FBA}"/>
-              </a:ext>
-            </a:extLst>
-          </p:cNvPr>
-          <p:cNvSpPr>
-            <a:spLocks noGrp="1"/>
-          </p:cNvSpPr>
-          <p:nvPr>
-            <p:ph type="title"/>
-          </p:nvPr>
-        </p:nvSpPr>
-        <p:spPr/>
-        <p:txBody>
-          <a:bodyPr/>
-          <a:lstStyle/>
-          <a:p>
-            <a:endParaRPr lang="en-US"/>
-          </a:p>
-        </p:txBody>
-      </p:sp>
     </p:spTree>
     <p:extLst>
       <p:ext uri="{BB962C8B-B14F-4D97-AF65-F5344CB8AC3E}">
@@ -18151,13 +18892,6 @@
   <p:clrMapOvr>
     <a:masterClrMapping/>
   </p:clrMapOvr>
-  <p:timing>
-    <p:tnLst>
-      <p:par>
-        <p:cTn id="1" dur="indefinite" restart="never" nodeType="tmRoot"/>
-      </p:par>
-    </p:tnLst>
-  </p:timing>
 </p:sld>
 </file>
 
@@ -18364,13 +19098,6 @@
   <p:clrMapOvr>
     <a:masterClrMapping/>
   </p:clrMapOvr>
-  <p:timing>
-    <p:tnLst>
-      <p:par>
-        <p:cTn id="1" dur="indefinite" restart="never" nodeType="tmRoot"/>
-      </p:par>
-    </p:tnLst>
-  </p:timing>
 </p:sld>
 </file>
 
@@ -18459,13 +19186,6 @@
   <p:clrMapOvr>
     <a:masterClrMapping/>
   </p:clrMapOvr>
-  <p:timing>
-    <p:tnLst>
-      <p:par>
-        <p:cTn id="1" dur="indefinite" restart="never" nodeType="tmRoot"/>
-      </p:par>
-    </p:tnLst>
-  </p:timing>
 </p:sld>
 </file>
 
@@ -18904,7 +19624,7 @@
           <a:blip r:embed="rId3">
             <a:extLst>
               <a:ext uri="{96DAC541-7B7A-43D3-8B79-37D633B846F1}">
-                <asvg:svgBlip xmlns:asvg="http://schemas.microsoft.com/office/drawing/2016/SVG/main" xmlns="" r:embed="rId4"/>
+                <asvg:svgBlip xmlns:asvg="http://schemas.microsoft.com/office/drawing/2016/SVG/main" r:embed="rId4"/>
               </a:ext>
             </a:extLst>
           </a:blip>
@@ -18940,7 +19660,7 @@
           <a:blip r:embed="rId5">
             <a:extLst>
               <a:ext uri="{96DAC541-7B7A-43D3-8B79-37D633B846F1}">
-                <asvg:svgBlip xmlns:asvg="http://schemas.microsoft.com/office/drawing/2016/SVG/main" xmlns="" r:embed="rId6"/>
+                <asvg:svgBlip xmlns:asvg="http://schemas.microsoft.com/office/drawing/2016/SVG/main" r:embed="rId6"/>
               </a:ext>
             </a:extLst>
           </a:blip>
@@ -19022,7 +19742,7 @@
           <a:blip r:embed="rId7">
             <a:extLst>
               <a:ext uri="{96DAC541-7B7A-43D3-8B79-37D633B846F1}">
-                <asvg:svgBlip xmlns:asvg="http://schemas.microsoft.com/office/drawing/2016/SVG/main" xmlns="" r:embed="rId8"/>
+                <asvg:svgBlip xmlns:asvg="http://schemas.microsoft.com/office/drawing/2016/SVG/main" r:embed="rId8"/>
               </a:ext>
             </a:extLst>
           </a:blip>
@@ -19058,7 +19778,7 @@
           <a:blip r:embed="rId7">
             <a:extLst>
               <a:ext uri="{96DAC541-7B7A-43D3-8B79-37D633B846F1}">
-                <asvg:svgBlip xmlns:asvg="http://schemas.microsoft.com/office/drawing/2016/SVG/main" xmlns="" r:embed="rId8"/>
+                <asvg:svgBlip xmlns:asvg="http://schemas.microsoft.com/office/drawing/2016/SVG/main" r:embed="rId8"/>
               </a:ext>
             </a:extLst>
           </a:blip>
@@ -19405,13 +20125,6 @@
   <p:clrMapOvr>
     <a:masterClrMapping/>
   </p:clrMapOvr>
-  <p:timing>
-    <p:tnLst>
-      <p:par>
-        <p:cTn id="1" dur="indefinite" restart="never" nodeType="tmRoot"/>
-      </p:par>
-    </p:tnLst>
-  </p:timing>
 </p:sld>
 </file>
 
@@ -19450,7 +20163,7 @@
           <a:blip r:embed="rId3">
             <a:extLst>
               <a:ext uri="{96DAC541-7B7A-43D3-8B79-37D633B846F1}">
-                <asvg:svgBlip xmlns:asvg="http://schemas.microsoft.com/office/drawing/2016/SVG/main" xmlns="" r:embed="rId4"/>
+                <asvg:svgBlip xmlns:asvg="http://schemas.microsoft.com/office/drawing/2016/SVG/main" r:embed="rId4"/>
               </a:ext>
             </a:extLst>
           </a:blip>
@@ -19486,7 +20199,7 @@
           <a:blip r:embed="rId5">
             <a:extLst>
               <a:ext uri="{96DAC541-7B7A-43D3-8B79-37D633B846F1}">
-                <asvg:svgBlip xmlns:asvg="http://schemas.microsoft.com/office/drawing/2016/SVG/main" xmlns="" r:embed="rId6"/>
+                <asvg:svgBlip xmlns:asvg="http://schemas.microsoft.com/office/drawing/2016/SVG/main" r:embed="rId6"/>
               </a:ext>
             </a:extLst>
           </a:blip>
@@ -19569,7 +20282,7 @@
           <a:blip r:embed="rId7">
             <a:extLst>
               <a:ext uri="{96DAC541-7B7A-43D3-8B79-37D633B846F1}">
-                <asvg:svgBlip xmlns:asvg="http://schemas.microsoft.com/office/drawing/2016/SVG/main" xmlns="" r:embed="rId8"/>
+                <asvg:svgBlip xmlns:asvg="http://schemas.microsoft.com/office/drawing/2016/SVG/main" r:embed="rId8"/>
               </a:ext>
             </a:extLst>
           </a:blip>
@@ -19605,7 +20318,7 @@
           <a:blip r:embed="rId9">
             <a:extLst>
               <a:ext uri="{96DAC541-7B7A-43D3-8B79-37D633B846F1}">
-                <asvg:svgBlip xmlns:asvg="http://schemas.microsoft.com/office/drawing/2016/SVG/main" xmlns="" r:embed="rId10"/>
+                <asvg:svgBlip xmlns:asvg="http://schemas.microsoft.com/office/drawing/2016/SVG/main" r:embed="rId10"/>
               </a:ext>
             </a:extLst>
           </a:blip>
@@ -19680,7 +20393,7 @@
           <a:blip r:embed="rId9">
             <a:extLst>
               <a:ext uri="{96DAC541-7B7A-43D3-8B79-37D633B846F1}">
-                <asvg:svgBlip xmlns:asvg="http://schemas.microsoft.com/office/drawing/2016/SVG/main" xmlns="" r:embed="rId10"/>
+                <asvg:svgBlip xmlns:asvg="http://schemas.microsoft.com/office/drawing/2016/SVG/main" r:embed="rId10"/>
               </a:ext>
             </a:extLst>
           </a:blip>
@@ -19848,12 +20561,8 @@
           <a:lstStyle/>
           <a:p>
             <a:r>
-              <a:rPr lang="en-US" dirty="0" smtClean="0"/>
-              <a:t>(Requires </a:t>
-            </a:r>
-            <a:r>
               <a:rPr lang="en-US" dirty="0"/>
-              <a:t>change on remote)</a:t>
+              <a:t>(Requires change on remote)</a:t>
             </a:r>
           </a:p>
         </p:txBody>
@@ -19902,13 +20611,6 @@
   <p:clrMapOvr>
     <a:masterClrMapping/>
   </p:clrMapOvr>
-  <p:timing>
-    <p:tnLst>
-      <p:par>
-        <p:cTn id="1" dur="indefinite" restart="never" nodeType="tmRoot"/>
-      </p:par>
-    </p:tnLst>
-  </p:timing>
 </p:sld>
 </file>
 
@@ -19947,7 +20649,7 @@
           <a:blip r:embed="rId3">
             <a:extLst>
               <a:ext uri="{96DAC541-7B7A-43D3-8B79-37D633B846F1}">
-                <asvg:svgBlip xmlns:asvg="http://schemas.microsoft.com/office/drawing/2016/SVG/main" xmlns="" r:embed="rId4"/>
+                <asvg:svgBlip xmlns:asvg="http://schemas.microsoft.com/office/drawing/2016/SVG/main" r:embed="rId4"/>
               </a:ext>
             </a:extLst>
           </a:blip>
@@ -19983,7 +20685,7 @@
           <a:blip r:embed="rId5">
             <a:extLst>
               <a:ext uri="{96DAC541-7B7A-43D3-8B79-37D633B846F1}">
-                <asvg:svgBlip xmlns:asvg="http://schemas.microsoft.com/office/drawing/2016/SVG/main" xmlns="" r:embed="rId6"/>
+                <asvg:svgBlip xmlns:asvg="http://schemas.microsoft.com/office/drawing/2016/SVG/main" r:embed="rId6"/>
               </a:ext>
             </a:extLst>
           </a:blip>
@@ -20066,7 +20768,7 @@
           <a:blip r:embed="rId7">
             <a:extLst>
               <a:ext uri="{96DAC541-7B7A-43D3-8B79-37D633B846F1}">
-                <asvg:svgBlip xmlns:asvg="http://schemas.microsoft.com/office/drawing/2016/SVG/main" xmlns="" r:embed="rId8"/>
+                <asvg:svgBlip xmlns:asvg="http://schemas.microsoft.com/office/drawing/2016/SVG/main" r:embed="rId8"/>
               </a:ext>
             </a:extLst>
           </a:blip>
@@ -20141,7 +20843,7 @@
           <a:blip r:embed="rId9">
             <a:extLst>
               <a:ext uri="{96DAC541-7B7A-43D3-8B79-37D633B846F1}">
-                <asvg:svgBlip xmlns:asvg="http://schemas.microsoft.com/office/drawing/2016/SVG/main" xmlns="" r:embed="rId10"/>
+                <asvg:svgBlip xmlns:asvg="http://schemas.microsoft.com/office/drawing/2016/SVG/main" r:embed="rId10"/>
               </a:ext>
             </a:extLst>
           </a:blip>
@@ -20177,7 +20879,7 @@
           <a:blip r:embed="rId7">
             <a:extLst>
               <a:ext uri="{96DAC541-7B7A-43D3-8B79-37D633B846F1}">
-                <asvg:svgBlip xmlns:asvg="http://schemas.microsoft.com/office/drawing/2016/SVG/main" xmlns="" r:embed="rId8"/>
+                <asvg:svgBlip xmlns:asvg="http://schemas.microsoft.com/office/drawing/2016/SVG/main" r:embed="rId8"/>
               </a:ext>
             </a:extLst>
           </a:blip>
@@ -20378,7 +21080,7 @@
               <a:buNone/>
             </a:pPr>
             <a:r>
-              <a:rPr lang="en-US" dirty="0" smtClean="0">
+              <a:rPr lang="en-US" dirty="0">
                 <a:latin typeface="Courier New" panose="02070309020205020404" pitchFamily="49" charset="0"/>
                 <a:cs typeface="Courier New" panose="02070309020205020404" pitchFamily="49" charset="0"/>
               </a:rPr>
@@ -20390,16 +21092,12 @@
               <a:buNone/>
             </a:pPr>
             <a:r>
-              <a:rPr lang="en-US" dirty="0" smtClean="0">
+              <a:rPr lang="en-US" dirty="0">
                 <a:latin typeface="Courier New" panose="02070309020205020404" pitchFamily="49" charset="0"/>
                 <a:cs typeface="Courier New" panose="02070309020205020404" pitchFamily="49" charset="0"/>
               </a:rPr>
               <a:t>git checkout &lt;branch-name&gt;</a:t>
             </a:r>
-            <a:endParaRPr lang="en-US" dirty="0">
-              <a:latin typeface="Courier New" panose="02070309020205020404" pitchFamily="49" charset="0"/>
-              <a:cs typeface="Courier New" panose="02070309020205020404" pitchFamily="49" charset="0"/>
-            </a:endParaRPr>
           </a:p>
         </p:txBody>
       </p:sp>
@@ -20413,13 +21111,6 @@
   <p:clrMapOvr>
     <a:masterClrMapping/>
   </p:clrMapOvr>
-  <p:timing>
-    <p:tnLst>
-      <p:par>
-        <p:cTn id="1" dur="indefinite" restart="never" nodeType="tmRoot"/>
-      </p:par>
-    </p:tnLst>
-  </p:timing>
 </p:sld>
 </file>
 
@@ -20559,7 +21250,7 @@
           <a:lstStyle/>
           <a:p>
             <a:r>
-              <a:rPr lang="en-US" dirty="0" smtClean="0">
+              <a:rPr lang="en-US" dirty="0">
                 <a:solidFill>
                   <a:schemeClr val="accent6"/>
                 </a:solidFill>
@@ -20568,13 +21259,6 @@
               </a:rPr>
               <a:t>master</a:t>
             </a:r>
-            <a:endParaRPr lang="en-US" dirty="0">
-              <a:solidFill>
-                <a:schemeClr val="accent6"/>
-              </a:solidFill>
-              <a:latin typeface="Courier New" panose="02070309020205020404" pitchFamily="49" charset="0"/>
-              <a:cs typeface="Courier New" panose="02070309020205020404" pitchFamily="49" charset="0"/>
-            </a:endParaRPr>
           </a:p>
         </p:txBody>
       </p:sp>
@@ -20601,7 +21285,7 @@
           <a:lstStyle/>
           <a:p>
             <a:r>
-              <a:rPr lang="en-US" dirty="0" smtClean="0">
+              <a:rPr lang="en-US" dirty="0">
                 <a:solidFill>
                   <a:schemeClr val="accent6"/>
                 </a:solidFill>
@@ -20610,13 +21294,6 @@
               </a:rPr>
               <a:t>my-branch</a:t>
             </a:r>
-            <a:endParaRPr lang="en-US" dirty="0">
-              <a:solidFill>
-                <a:schemeClr val="accent6"/>
-              </a:solidFill>
-              <a:latin typeface="Courier New" panose="02070309020205020404" pitchFamily="49" charset="0"/>
-              <a:cs typeface="Courier New" panose="02070309020205020404" pitchFamily="49" charset="0"/>
-            </a:endParaRPr>
           </a:p>
         </p:txBody>
       </p:sp>
@@ -20657,10 +21334,9 @@
           <a:p>
             <a:pPr algn="ctr"/>
             <a:r>
-              <a:rPr lang="en-US" dirty="0" smtClean="0"/>
+              <a:rPr lang="en-US" dirty="0"/>
               <a:t>B</a:t>
             </a:r>
-            <a:endParaRPr lang="en-US" dirty="0"/>
           </a:p>
         </p:txBody>
       </p:sp>
@@ -20836,10 +21512,9 @@
           <a:p>
             <a:pPr algn="ctr"/>
             <a:r>
-              <a:rPr lang="en-US" dirty="0" smtClean="0"/>
+              <a:rPr lang="en-US" dirty="0"/>
               <a:t>A</a:t>
             </a:r>
-            <a:endParaRPr lang="en-US" dirty="0"/>
           </a:p>
         </p:txBody>
       </p:sp>
@@ -20978,10 +21653,9 @@
           <a:p>
             <a:pPr algn="ctr"/>
             <a:r>
-              <a:rPr lang="en-US" dirty="0" smtClean="0"/>
+              <a:rPr lang="en-US" dirty="0"/>
               <a:t>H</a:t>
             </a:r>
-            <a:endParaRPr lang="en-US" dirty="0"/>
           </a:p>
         </p:txBody>
       </p:sp>
@@ -21022,10 +21696,9 @@
           <a:p>
             <a:pPr algn="ctr"/>
             <a:r>
-              <a:rPr lang="en-US" dirty="0" smtClean="0"/>
+              <a:rPr lang="en-US" dirty="0"/>
               <a:t>G</a:t>
             </a:r>
-            <a:endParaRPr lang="en-US" dirty="0"/>
           </a:p>
         </p:txBody>
       </p:sp>
@@ -21066,10 +21739,9 @@
           <a:p>
             <a:pPr algn="ctr"/>
             <a:r>
-              <a:rPr lang="en-US" dirty="0" smtClean="0"/>
+              <a:rPr lang="en-US" dirty="0"/>
               <a:t>F</a:t>
             </a:r>
-            <a:endParaRPr lang="en-US" dirty="0"/>
           </a:p>
         </p:txBody>
       </p:sp>
@@ -21096,7 +21768,7 @@
           <a:lstStyle/>
           <a:p>
             <a:r>
-              <a:rPr lang="en-US" dirty="0" smtClean="0">
+              <a:rPr lang="en-US" dirty="0">
                 <a:solidFill>
                   <a:schemeClr val="accent6"/>
                 </a:solidFill>
@@ -21105,13 +21777,6 @@
               </a:rPr>
               <a:t>git branch my-branch</a:t>
             </a:r>
-            <a:endParaRPr lang="en-US" dirty="0">
-              <a:solidFill>
-                <a:schemeClr val="accent6"/>
-              </a:solidFill>
-              <a:latin typeface="Courier New" panose="02070309020205020404" pitchFamily="49" charset="0"/>
-              <a:cs typeface="Courier New" panose="02070309020205020404" pitchFamily="49" charset="0"/>
-            </a:endParaRPr>
           </a:p>
         </p:txBody>
       </p:sp>
@@ -21188,7 +21853,7 @@
             <a:lstStyle/>
             <a:p>
               <a:r>
-                <a:rPr lang="en-US" sz="1200" dirty="0" smtClean="0">
+                <a:rPr lang="en-US" sz="1200" dirty="0">
                   <a:solidFill>
                     <a:schemeClr val="accent6"/>
                   </a:solidFill>
@@ -21196,12 +21861,6 @@
                 </a:rPr>
                 <a:t>you</a:t>
               </a:r>
-              <a:endParaRPr lang="en-US" sz="1200" dirty="0">
-                <a:solidFill>
-                  <a:schemeClr val="accent6"/>
-                </a:solidFill>
-                <a:latin typeface="Average" panose="020B0604020202020204" charset="0"/>
-              </a:endParaRPr>
             </a:p>
           </p:txBody>
         </p:sp>
@@ -21277,7 +21936,7 @@
           <a:lstStyle/>
           <a:p>
             <a:r>
-              <a:rPr lang="en-US" dirty="0" smtClean="0">
+              <a:rPr lang="en-US" dirty="0">
                 <a:solidFill>
                   <a:schemeClr val="accent6"/>
                 </a:solidFill>
@@ -21286,13 +21945,6 @@
               </a:rPr>
               <a:t>git checkout my-branch</a:t>
             </a:r>
-            <a:endParaRPr lang="en-US" dirty="0">
-              <a:solidFill>
-                <a:schemeClr val="accent6"/>
-              </a:solidFill>
-              <a:latin typeface="Courier New" panose="02070309020205020404" pitchFamily="49" charset="0"/>
-              <a:cs typeface="Courier New" panose="02070309020205020404" pitchFamily="49" charset="0"/>
-            </a:endParaRPr>
           </a:p>
         </p:txBody>
       </p:sp>
@@ -21333,7 +21985,7 @@
             <a:lstStyle/>
             <a:p>
               <a:r>
-                <a:rPr lang="en-US" sz="1200" dirty="0" smtClean="0">
+                <a:rPr lang="en-US" sz="1200" dirty="0">
                   <a:solidFill>
                     <a:schemeClr val="accent6"/>
                   </a:solidFill>
@@ -21341,12 +21993,6 @@
                 </a:rPr>
                 <a:t>you</a:t>
               </a:r>
-              <a:endParaRPr lang="en-US" sz="1200" dirty="0">
-                <a:solidFill>
-                  <a:schemeClr val="accent6"/>
-                </a:solidFill>
-                <a:latin typeface="Average" panose="020B0604020202020204" charset="0"/>
-              </a:endParaRPr>
             </a:p>
           </p:txBody>
         </p:sp>
@@ -22387,7 +23033,7 @@
           <a:blip r:embed="rId3">
             <a:extLst>
               <a:ext uri="{96DAC541-7B7A-43D3-8B79-37D633B846F1}">
-                <asvg:svgBlip xmlns:asvg="http://schemas.microsoft.com/office/drawing/2016/SVG/main" xmlns="" r:embed="rId4"/>
+                <asvg:svgBlip xmlns:asvg="http://schemas.microsoft.com/office/drawing/2016/SVG/main" r:embed="rId4"/>
               </a:ext>
             </a:extLst>
           </a:blip>
@@ -22410,13 +23056,6 @@
   <p:clrMapOvr>
     <a:masterClrMapping/>
   </p:clrMapOvr>
-  <p:timing>
-    <p:tnLst>
-      <p:par>
-        <p:cTn id="1" dur="indefinite" restart="never" nodeType="tmRoot"/>
-      </p:par>
-    </p:tnLst>
-  </p:timing>
 </p:sld>
 </file>
 
@@ -22481,10 +23120,9 @@
           <a:lstStyle/>
           <a:p>
             <a:r>
-              <a:rPr lang="en-US" dirty="0" smtClean="0"/>
+              <a:rPr lang="en-US" dirty="0"/>
               <a:t>That-to-this</a:t>
             </a:r>
-            <a:endParaRPr lang="en-US" dirty="0"/>
           </a:p>
         </p:txBody>
       </p:sp>
@@ -22517,19 +23155,8 @@
                 <a:latin typeface="Courier New" panose="02070309020205020404" pitchFamily="49" charset="0"/>
                 <a:cs typeface="Courier New" panose="02070309020205020404" pitchFamily="49" charset="0"/>
               </a:rPr>
-              <a:t>g</a:t>
+              <a:t>git merge &lt;target-branch&gt;</a:t>
             </a:r>
-            <a:r>
-              <a:rPr lang="en-US" sz="1200" dirty="0" smtClean="0">
-                <a:latin typeface="Courier New" panose="02070309020205020404" pitchFamily="49" charset="0"/>
-                <a:cs typeface="Courier New" panose="02070309020205020404" pitchFamily="49" charset="0"/>
-              </a:rPr>
-              <a:t>it merge &lt;target-branch&gt;</a:t>
-            </a:r>
-            <a:endParaRPr lang="en-US" sz="1200" dirty="0">
-              <a:latin typeface="Courier New" panose="02070309020205020404" pitchFamily="49" charset="0"/>
-              <a:cs typeface="Courier New" panose="02070309020205020404" pitchFamily="49" charset="0"/>
-            </a:endParaRPr>
           </a:p>
         </p:txBody>
       </p:sp>
@@ -22543,13 +23170,6 @@
   <p:clrMapOvr>
     <a:masterClrMapping/>
   </p:clrMapOvr>
-  <p:timing>
-    <p:tnLst>
-      <p:par>
-        <p:cTn id="1" dur="indefinite" restart="never" nodeType="tmRoot"/>
-      </p:par>
-    </p:tnLst>
-  </p:timing>
 </p:sld>
 </file>
 
@@ -22689,7 +23309,7 @@
           <a:lstStyle/>
           <a:p>
             <a:r>
-              <a:rPr lang="en-US" dirty="0" smtClean="0">
+              <a:rPr lang="en-US" dirty="0">
                 <a:solidFill>
                   <a:schemeClr val="accent6"/>
                 </a:solidFill>
@@ -22698,13 +23318,6 @@
               </a:rPr>
               <a:t>master</a:t>
             </a:r>
-            <a:endParaRPr lang="en-US" dirty="0">
-              <a:solidFill>
-                <a:schemeClr val="accent6"/>
-              </a:solidFill>
-              <a:latin typeface="Courier New" panose="02070309020205020404" pitchFamily="49" charset="0"/>
-              <a:cs typeface="Courier New" panose="02070309020205020404" pitchFamily="49" charset="0"/>
-            </a:endParaRPr>
           </a:p>
         </p:txBody>
       </p:sp>
@@ -22731,7 +23344,7 @@
           <a:lstStyle/>
           <a:p>
             <a:r>
-              <a:rPr lang="en-US" dirty="0" smtClean="0">
+              <a:rPr lang="en-US" dirty="0">
                 <a:solidFill>
                   <a:schemeClr val="accent6"/>
                 </a:solidFill>
@@ -22740,13 +23353,6 @@
               </a:rPr>
               <a:t>my-branch</a:t>
             </a:r>
-            <a:endParaRPr lang="en-US" dirty="0">
-              <a:solidFill>
-                <a:schemeClr val="accent6"/>
-              </a:solidFill>
-              <a:latin typeface="Courier New" panose="02070309020205020404" pitchFamily="49" charset="0"/>
-              <a:cs typeface="Courier New" panose="02070309020205020404" pitchFamily="49" charset="0"/>
-            </a:endParaRPr>
           </a:p>
         </p:txBody>
       </p:sp>
@@ -22787,10 +23393,9 @@
           <a:p>
             <a:pPr algn="ctr"/>
             <a:r>
-              <a:rPr lang="en-US" dirty="0" smtClean="0"/>
+              <a:rPr lang="en-US" dirty="0"/>
               <a:t>B</a:t>
             </a:r>
-            <a:endParaRPr lang="en-US" dirty="0"/>
           </a:p>
         </p:txBody>
       </p:sp>
@@ -22966,10 +23571,9 @@
           <a:p>
             <a:pPr algn="ctr"/>
             <a:r>
-              <a:rPr lang="en-US" dirty="0" smtClean="0"/>
+              <a:rPr lang="en-US" dirty="0"/>
               <a:t>A</a:t>
             </a:r>
-            <a:endParaRPr lang="en-US" dirty="0"/>
           </a:p>
         </p:txBody>
       </p:sp>
@@ -23059,10 +23663,9 @@
           <a:p>
             <a:pPr algn="ctr"/>
             <a:r>
-              <a:rPr lang="en-US" dirty="0" smtClean="0"/>
+              <a:rPr lang="en-US" dirty="0"/>
               <a:t>E</a:t>
             </a:r>
-            <a:endParaRPr lang="en-US" dirty="0"/>
           </a:p>
         </p:txBody>
       </p:sp>
@@ -23201,10 +23804,9 @@
           <a:p>
             <a:pPr algn="ctr"/>
             <a:r>
-              <a:rPr lang="en-US" dirty="0" smtClean="0"/>
+              <a:rPr lang="en-US" dirty="0"/>
               <a:t>H</a:t>
             </a:r>
-            <a:endParaRPr lang="en-US" dirty="0"/>
           </a:p>
         </p:txBody>
       </p:sp>
@@ -23245,10 +23847,9 @@
           <a:p>
             <a:pPr algn="ctr"/>
             <a:r>
-              <a:rPr lang="en-US" dirty="0" smtClean="0"/>
+              <a:rPr lang="en-US" dirty="0"/>
               <a:t>G</a:t>
             </a:r>
-            <a:endParaRPr lang="en-US" dirty="0"/>
           </a:p>
         </p:txBody>
       </p:sp>
@@ -23289,10 +23890,9 @@
           <a:p>
             <a:pPr algn="ctr"/>
             <a:r>
-              <a:rPr lang="en-US" dirty="0" smtClean="0"/>
+              <a:rPr lang="en-US" dirty="0"/>
               <a:t>F</a:t>
             </a:r>
-            <a:endParaRPr lang="en-US" dirty="0"/>
           </a:p>
         </p:txBody>
       </p:sp>
@@ -23801,7 +24401,7 @@
           <p:nvPr/>
         </p:nvPicPr>
         <p:blipFill>
-          <a:blip r:embed="rId2">
+          <a:blip r:embed="rId3">
             <a:extLst>
               <a:ext uri="{28A0092B-C50C-407E-A947-70E740481C1C}">
                 <a14:useLocalDpi xmlns:a14="http://schemas.microsoft.com/office/drawing/2010/main" val="0"/>
@@ -23843,13 +24443,6 @@
   <p:clrMapOvr>
     <a:masterClrMapping/>
   </p:clrMapOvr>
-  <p:timing>
-    <p:tnLst>
-      <p:par>
-        <p:cTn id="1" dur="indefinite" restart="never" nodeType="tmRoot"/>
-      </p:par>
-    </p:tnLst>
-  </p:timing>
 </p:sld>
 </file>
 
@@ -23885,10 +24478,10 @@
           <p:nvPr/>
         </p:nvPicPr>
         <p:blipFill>
-          <a:blip r:embed="rId2">
+          <a:blip r:embed="rId3">
             <a:extLst>
               <a:ext uri="{96DAC541-7B7A-43D3-8B79-37D633B846F1}">
-                <asvg:svgBlip xmlns:asvg="http://schemas.microsoft.com/office/drawing/2016/SVG/main" xmlns="" r:embed="rId3"/>
+                <asvg:svgBlip xmlns:asvg="http://schemas.microsoft.com/office/drawing/2016/SVG/main" r:embed="rId4"/>
               </a:ext>
             </a:extLst>
           </a:blip>
@@ -23974,7 +24567,7 @@
               <a:t>CONFLICT (content): Merge conflict in &lt;</a:t>
             </a:r>
             <a:r>
-              <a:rPr kumimoji="0" lang="en-US" altLang="en-US" sz="1050" b="0" i="0" u="none" strike="noStrike" cap="none" normalizeH="0" baseline="0" dirty="0" err="1" smtClean="0">
+              <a:rPr kumimoji="0" lang="en-US" altLang="en-US" sz="1050" b="0" i="0" u="none" strike="noStrike" cap="none" normalizeH="0" baseline="0" dirty="0" err="1">
                 <a:ln>
                   <a:noFill/>
                 </a:ln>
@@ -24014,13 +24607,6 @@
   <p:clrMapOvr>
     <a:masterClrMapping/>
   </p:clrMapOvr>
-  <p:timing>
-    <p:tnLst>
-      <p:par>
-        <p:cTn id="1" dur="indefinite" restart="never" nodeType="tmRoot"/>
-      </p:par>
-    </p:tnLst>
-  </p:timing>
 </p:sld>
 </file>
 
@@ -24166,10 +24752,10 @@
           <p:nvPr/>
         </p:nvPicPr>
         <p:blipFill>
-          <a:blip r:embed="rId2">
+          <a:blip r:embed="rId3">
             <a:extLst>
               <a:ext uri="{96DAC541-7B7A-43D3-8B79-37D633B846F1}">
-                <asvg:svgBlip xmlns:asvg="http://schemas.microsoft.com/office/drawing/2016/SVG/main" xmlns="" r:embed="rId3"/>
+                <asvg:svgBlip xmlns:asvg="http://schemas.microsoft.com/office/drawing/2016/SVG/main" r:embed="rId4"/>
               </a:ext>
             </a:extLst>
           </a:blip>
@@ -24202,10 +24788,10 @@
           <p:nvPr/>
         </p:nvPicPr>
         <p:blipFill>
-          <a:blip r:embed="rId4">
+          <a:blip r:embed="rId5">
             <a:extLst>
               <a:ext uri="{96DAC541-7B7A-43D3-8B79-37D633B846F1}">
-                <asvg:svgBlip xmlns:asvg="http://schemas.microsoft.com/office/drawing/2016/SVG/main" xmlns="" r:embed="rId5"/>
+                <asvg:svgBlip xmlns:asvg="http://schemas.microsoft.com/office/drawing/2016/SVG/main" r:embed="rId6"/>
               </a:ext>
             </a:extLst>
           </a:blip>
@@ -24403,13 +24989,13 @@
           <p:nvPr>
             <p:extLst>
               <p:ext uri="{D42A27DB-BD31-4B8C-83A1-F6EECF244321}">
-                <p14:modId xmlns:p14="http://schemas.microsoft.com/office/powerpoint/2010/main" val="3018235456"/>
+                <p14:modId xmlns:p14="http://schemas.microsoft.com/office/powerpoint/2010/main" val="579248254"/>
               </p:ext>
             </p:extLst>
           </p:nvPr>
         </p:nvGraphicFramePr>
         <p:xfrm>
-          <a:off x="2539644" y="1413895"/>
+          <a:off x="2533294" y="1413895"/>
           <a:ext cx="2373071" cy="304800"/>
         </p:xfrm>
         <a:graphic>
@@ -24441,13 +25027,13 @@
                     <a:lstStyle/>
                     <a:p>
                       <a:r>
-                        <a:rPr lang="en-US" dirty="0">
+                        <a:rPr lang="en-US" b="1" u="sng" dirty="0">
                           <a:latin typeface="Courier New" panose="02070309020205020404" pitchFamily="49" charset="0"/>
                           <a:cs typeface="Courier New" panose="02070309020205020404" pitchFamily="49" charset="0"/>
                         </a:rPr>
                         <a:t>1</a:t>
                       </a:r>
-                      <a:endParaRPr lang="en-US" b="0" dirty="0">
+                      <a:endParaRPr lang="en-US" b="1" u="sng" dirty="0">
                         <a:solidFill>
                           <a:schemeClr val="accent6"/>
                         </a:solidFill>
@@ -24509,7 +25095,7 @@
           <p:nvPr>
             <p:extLst>
               <p:ext uri="{D42A27DB-BD31-4B8C-83A1-F6EECF244321}">
-                <p14:modId xmlns:p14="http://schemas.microsoft.com/office/powerpoint/2010/main" val="2262971484"/>
+                <p14:modId xmlns:p14="http://schemas.microsoft.com/office/powerpoint/2010/main" val="1411586634"/>
               </p:ext>
             </p:extLst>
           </p:nvPr>
@@ -24547,13 +25133,13 @@
                     <a:lstStyle/>
                     <a:p>
                       <a:r>
-                        <a:rPr lang="en-US" dirty="0">
+                        <a:rPr lang="en-US" b="1" u="sng" dirty="0">
                           <a:latin typeface="Courier New" panose="02070309020205020404" pitchFamily="49" charset="0"/>
                           <a:cs typeface="Courier New" panose="02070309020205020404" pitchFamily="49" charset="0"/>
                         </a:rPr>
                         <a:t>1</a:t>
                       </a:r>
-                      <a:endParaRPr lang="en-US" b="0" dirty="0">
+                      <a:endParaRPr lang="en-US" b="1" u="sng" dirty="0">
                         <a:solidFill>
                           <a:schemeClr val="accent6"/>
                         </a:solidFill>
@@ -25091,14 +25677,11 @@
           <a:lstStyle/>
           <a:p>
             <a:r>
-              <a:rPr lang="en-US" dirty="0" smtClean="0">
+              <a:rPr lang="en-US" dirty="0">
                 <a:latin typeface="Oswald Regular" panose="020B0604020202020204" charset="0"/>
               </a:rPr>
               <a:t>MERGE CONFLICTS</a:t>
             </a:r>
-            <a:endParaRPr lang="en-US" dirty="0">
-              <a:latin typeface="Oswald Regular" panose="020B0604020202020204" charset="0"/>
-            </a:endParaRPr>
           </a:p>
         </p:txBody>
       </p:sp>
@@ -25118,10 +25701,9 @@
           <a:lstStyle/>
           <a:p>
             <a:r>
-              <a:rPr lang="en-US" dirty="0" smtClean="0"/>
+              <a:rPr lang="en-US" dirty="0"/>
               <a:t>They’re survivable</a:t>
             </a:r>
-            <a:endParaRPr lang="en-US" dirty="0"/>
           </a:p>
         </p:txBody>
       </p:sp>
@@ -25144,7 +25726,7 @@
               <a:buNone/>
             </a:pPr>
             <a:r>
-              <a:rPr lang="en-US" sz="1200" dirty="0" smtClean="0">
+              <a:rPr lang="en-US" sz="1200" dirty="0">
                 <a:latin typeface="Courier New" panose="02070309020205020404" pitchFamily="49" charset="0"/>
                 <a:cs typeface="Courier New" panose="02070309020205020404" pitchFamily="49" charset="0"/>
               </a:rPr>
@@ -25156,7 +25738,7 @@
               <a:buNone/>
             </a:pPr>
             <a:r>
-              <a:rPr lang="en-US" sz="1200" dirty="0" smtClean="0">
+              <a:rPr lang="en-US" sz="1200" dirty="0">
                 <a:latin typeface="Courier New" panose="02070309020205020404" pitchFamily="49" charset="0"/>
                 <a:cs typeface="Courier New" panose="02070309020205020404" pitchFamily="49" charset="0"/>
               </a:rPr>
@@ -25168,7 +25750,7 @@
               <a:buNone/>
             </a:pPr>
             <a:r>
-              <a:rPr lang="en-US" sz="1200" dirty="0" smtClean="0">
+              <a:rPr lang="en-US" sz="1200" dirty="0">
                 <a:latin typeface="Courier New" panose="02070309020205020404" pitchFamily="49" charset="0"/>
                 <a:cs typeface="Courier New" panose="02070309020205020404" pitchFamily="49" charset="0"/>
               </a:rPr>
@@ -25180,7 +25762,7 @@
               <a:buNone/>
             </a:pPr>
             <a:r>
-              <a:rPr lang="en-US" sz="1200" dirty="0" smtClean="0">
+              <a:rPr lang="en-US" sz="1200" dirty="0">
                 <a:latin typeface="Courier New" panose="02070309020205020404" pitchFamily="49" charset="0"/>
                 <a:cs typeface="Courier New" panose="02070309020205020404" pitchFamily="49" charset="0"/>
               </a:rPr>
@@ -25192,30 +25774,26 @@
               <a:buNone/>
             </a:pPr>
             <a:r>
-              <a:rPr lang="en-US" sz="1200" dirty="0" smtClean="0">
+              <a:rPr lang="en-US" sz="1200" dirty="0">
                 <a:latin typeface="Courier New" panose="02070309020205020404" pitchFamily="49" charset="0"/>
                 <a:cs typeface="Courier New" panose="02070309020205020404" pitchFamily="49" charset="0"/>
               </a:rPr>
               <a:t>&gt;&gt;&gt;&gt;&gt;&gt;&gt;&gt;&gt;&gt;&gt;&gt;&gt;&gt;&gt;&gt;&gt;&gt;&gt;/some/</a:t>
             </a:r>
             <a:r>
-              <a:rPr lang="en-US" sz="1200" dirty="0" err="1" smtClean="0">
+              <a:rPr lang="en-US" sz="1200" dirty="0" err="1">
                 <a:latin typeface="Courier New" panose="02070309020205020404" pitchFamily="49" charset="0"/>
                 <a:cs typeface="Courier New" panose="02070309020205020404" pitchFamily="49" charset="0"/>
               </a:rPr>
               <a:t>dir</a:t>
             </a:r>
             <a:r>
-              <a:rPr lang="en-US" sz="1200" dirty="0" smtClean="0">
+              <a:rPr lang="en-US" sz="1200" dirty="0">
                 <a:latin typeface="Courier New" panose="02070309020205020404" pitchFamily="49" charset="0"/>
                 <a:cs typeface="Courier New" panose="02070309020205020404" pitchFamily="49" charset="0"/>
               </a:rPr>
               <a:t>/structure</a:t>
             </a:r>
-            <a:endParaRPr lang="en-US" sz="1200" dirty="0">
-              <a:latin typeface="Courier New" panose="02070309020205020404" pitchFamily="49" charset="0"/>
-              <a:cs typeface="Courier New" panose="02070309020205020404" pitchFamily="49" charset="0"/>
-            </a:endParaRPr>
           </a:p>
         </p:txBody>
       </p:sp>
@@ -25229,13 +25807,6 @@
   <p:clrMapOvr>
     <a:masterClrMapping/>
   </p:clrMapOvr>
-  <p:timing>
-    <p:tnLst>
-      <p:par>
-        <p:cTn id="1" dur="indefinite" restart="never" nodeType="tmRoot"/>
-      </p:par>
-    </p:tnLst>
-  </p:timing>
 </p:sld>
 </file>
 
@@ -25272,14 +25843,11 @@
           <a:lstStyle/>
           <a:p>
             <a:r>
-              <a:rPr lang="en-US" dirty="0" smtClean="0">
+              <a:rPr lang="en-US" dirty="0">
                 <a:latin typeface="Oswald Regular" panose="020B0604020202020204" charset="0"/>
               </a:rPr>
               <a:t>OTHER STUFF</a:t>
             </a:r>
-            <a:endParaRPr lang="en-US" dirty="0">
-              <a:latin typeface="Oswald Regular" panose="020B0604020202020204" charset="0"/>
-            </a:endParaRPr>
           </a:p>
         </p:txBody>
       </p:sp>
@@ -25299,10 +25867,9 @@
           <a:lstStyle/>
           <a:p>
             <a:r>
-              <a:rPr lang="en-US" dirty="0" smtClean="0"/>
+              <a:rPr lang="en-US" dirty="0"/>
               <a:t>That doesn’t really fit in</a:t>
             </a:r>
-            <a:endParaRPr lang="en-US" dirty="0"/>
           </a:p>
         </p:txBody>
       </p:sp>
@@ -25329,14 +25896,7 @@
                 <a:latin typeface="Courier New" panose="02070309020205020404" pitchFamily="49" charset="0"/>
                 <a:cs typeface="Courier New" panose="02070309020205020404" pitchFamily="49" charset="0"/>
               </a:rPr>
-              <a:t>g</a:t>
-            </a:r>
-            <a:r>
-              <a:rPr lang="en-US" dirty="0" smtClean="0">
-                <a:latin typeface="Courier New" panose="02070309020205020404" pitchFamily="49" charset="0"/>
-                <a:cs typeface="Courier New" panose="02070309020205020404" pitchFamily="49" charset="0"/>
-              </a:rPr>
-              <a:t>it diff</a:t>
+              <a:t>git diff</a:t>
             </a:r>
           </a:p>
           <a:p>
@@ -25348,14 +25908,7 @@
                 <a:latin typeface="Courier New" panose="02070309020205020404" pitchFamily="49" charset="0"/>
                 <a:cs typeface="Courier New" panose="02070309020205020404" pitchFamily="49" charset="0"/>
               </a:rPr>
-              <a:t>g</a:t>
-            </a:r>
-            <a:r>
-              <a:rPr lang="en-US" dirty="0" smtClean="0">
-                <a:latin typeface="Courier New" panose="02070309020205020404" pitchFamily="49" charset="0"/>
-                <a:cs typeface="Courier New" panose="02070309020205020404" pitchFamily="49" charset="0"/>
-              </a:rPr>
-              <a:t>it status</a:t>
+              <a:t>git status</a:t>
             </a:r>
           </a:p>
           <a:p>
@@ -25367,14 +25920,7 @@
                 <a:latin typeface="Courier New" panose="02070309020205020404" pitchFamily="49" charset="0"/>
                 <a:cs typeface="Courier New" panose="02070309020205020404" pitchFamily="49" charset="0"/>
               </a:rPr>
-              <a:t>g</a:t>
-            </a:r>
-            <a:r>
-              <a:rPr lang="en-US" dirty="0" smtClean="0">
-                <a:latin typeface="Courier New" panose="02070309020205020404" pitchFamily="49" charset="0"/>
-                <a:cs typeface="Courier New" panose="02070309020205020404" pitchFamily="49" charset="0"/>
-              </a:rPr>
-              <a:t>it reset [--hard]</a:t>
+              <a:t>git reset [--hard]</a:t>
             </a:r>
           </a:p>
           <a:p>
@@ -25386,19 +25932,8 @@
                 <a:latin typeface="Courier New" panose="02070309020205020404" pitchFamily="49" charset="0"/>
                 <a:cs typeface="Courier New" panose="02070309020205020404" pitchFamily="49" charset="0"/>
               </a:rPr>
-              <a:t>g</a:t>
+              <a:t>git revert &lt;commit&gt;</a:t>
             </a:r>
-            <a:r>
-              <a:rPr lang="en-US" dirty="0" smtClean="0">
-                <a:latin typeface="Courier New" panose="02070309020205020404" pitchFamily="49" charset="0"/>
-                <a:cs typeface="Courier New" panose="02070309020205020404" pitchFamily="49" charset="0"/>
-              </a:rPr>
-              <a:t>it revert &lt;commit&gt;</a:t>
-            </a:r>
-            <a:endParaRPr lang="en-US" dirty="0">
-              <a:latin typeface="Courier New" panose="02070309020205020404" pitchFamily="49" charset="0"/>
-              <a:cs typeface="Courier New" panose="02070309020205020404" pitchFamily="49" charset="0"/>
-            </a:endParaRPr>
           </a:p>
         </p:txBody>
       </p:sp>
@@ -25412,13 +25947,6 @@
   <p:clrMapOvr>
     <a:masterClrMapping/>
   </p:clrMapOvr>
-  <p:timing>
-    <p:tnLst>
-      <p:par>
-        <p:cTn id="1" dur="indefinite" restart="never" nodeType="tmRoot"/>
-      </p:par>
-    </p:tnLst>
-  </p:timing>
 </p:sld>
 </file>
 
@@ -25460,10 +25988,9 @@
           <a:lstStyle/>
           <a:p>
             <a:r>
-              <a:rPr lang="en-US" dirty="0" smtClean="0"/>
+              <a:rPr lang="en-US" dirty="0"/>
               <a:t>GIT</a:t>
             </a:r>
-            <a:endParaRPr lang="en-US" dirty="0"/>
           </a:p>
         </p:txBody>
       </p:sp>
@@ -25477,13 +26004,6 @@
   <p:clrMapOvr>
     <a:masterClrMapping/>
   </p:clrMapOvr>
-  <p:timing>
-    <p:tnLst>
-      <p:par>
-        <p:cTn id="1" dur="indefinite" restart="never" nodeType="tmRoot"/>
-      </p:par>
-    </p:tnLst>
-  </p:timing>
 </p:sld>
 </file>
 
@@ -25520,10 +26040,9 @@
           <a:lstStyle/>
           <a:p>
             <a:r>
-              <a:rPr lang="en-US" dirty="0" smtClean="0"/>
+              <a:rPr lang="en-US" dirty="0"/>
               <a:t>Questions?</a:t>
             </a:r>
-            <a:endParaRPr lang="en-US" dirty="0"/>
           </a:p>
         </p:txBody>
       </p:sp>
@@ -25537,13 +26056,6 @@
   <p:clrMapOvr>
     <a:masterClrMapping/>
   </p:clrMapOvr>
-  <p:timing>
-    <p:tnLst>
-      <p:par>
-        <p:cTn id="1" dur="indefinite" restart="never" nodeType="tmRoot"/>
-      </p:par>
-    </p:tnLst>
-  </p:timing>
 </p:sld>
 </file>
 
@@ -25831,13 +26343,6 @@
   <p:clrMapOvr>
     <a:masterClrMapping/>
   </p:clrMapOvr>
-  <p:timing>
-    <p:tnLst>
-      <p:par>
-        <p:cTn id="1" dur="indefinite" restart="never" nodeType="tmRoot"/>
-      </p:par>
-    </p:tnLst>
-  </p:timing>
 </p:sld>
 </file>
 
@@ -25907,7 +26412,7 @@
           <a:blip r:embed="rId3">
             <a:extLst>
               <a:ext uri="{96DAC541-7B7A-43D3-8B79-37D633B846F1}">
-                <asvg:svgBlip xmlns:asvg="http://schemas.microsoft.com/office/drawing/2016/SVG/main" xmlns="" r:embed="rId4"/>
+                <asvg:svgBlip xmlns:asvg="http://schemas.microsoft.com/office/drawing/2016/SVG/main" r:embed="rId4"/>
               </a:ext>
             </a:extLst>
           </a:blip>
@@ -26176,13 +26681,6 @@
   <p:clrMapOvr>
     <a:masterClrMapping/>
   </p:clrMapOvr>
-  <p:timing>
-    <p:tnLst>
-      <p:par>
-        <p:cTn id="1" dur="indefinite" restart="never" nodeType="tmRoot"/>
-      </p:par>
-    </p:tnLst>
-  </p:timing>
 </p:sld>
 </file>
 
@@ -26382,13 +26880,6 @@
   <p:clrMapOvr>
     <a:masterClrMapping/>
   </p:clrMapOvr>
-  <p:timing>
-    <p:tnLst>
-      <p:par>
-        <p:cTn id="1" dur="indefinite" restart="never" nodeType="tmRoot"/>
-      </p:par>
-    </p:tnLst>
-  </p:timing>
 </p:sld>
 </file>
 
@@ -26447,13 +26938,6 @@
                 <a:cs typeface="Courier New" panose="02070309020205020404" pitchFamily="49" charset="0"/>
               </a:rPr>
               <a:t>/to/desired/directory</a:t>
-            </a:r>
-            <a:r>
-              <a:rPr lang="en-US" dirty="0">
-                <a:latin typeface="Courier New" panose="02070309020205020404" pitchFamily="49" charset="0"/>
-                <a:cs typeface="Courier New" panose="02070309020205020404" pitchFamily="49" charset="0"/>
-              </a:rPr>
-              <a:t/>
             </a:r>
             <a:br>
               <a:rPr lang="en-US" dirty="0">
@@ -26653,13 +27137,6 @@
   <p:clrMapOvr>
     <a:masterClrMapping/>
   </p:clrMapOvr>
-  <p:timing>
-    <p:tnLst>
-      <p:par>
-        <p:cTn id="1" dur="indefinite" restart="never" nodeType="tmRoot"/>
-      </p:par>
-    </p:tnLst>
-  </p:timing>
 </p:sld>
 </file>
 
@@ -26899,10 +27376,6 @@
               </a:rPr>
               <a:t>git commit</a:t>
             </a:r>
-            <a:r>
-              <a:rPr lang="en-US" dirty="0"/>
-              <a:t/>
-            </a:r>
             <a:br>
               <a:rPr lang="en-US" dirty="0"/>
             </a:br>
@@ -27036,13 +27509,6 @@
   <p:clrMapOvr>
     <a:masterClrMapping/>
   </p:clrMapOvr>
-  <p:timing>
-    <p:tnLst>
-      <p:par>
-        <p:cTn id="1" dur="indefinite" restart="never" nodeType="tmRoot"/>
-      </p:par>
-    </p:tnLst>
-  </p:timing>
 </p:sld>
 </file>
 
@@ -27218,13 +27684,6 @@
   <p:clrMapOvr>
     <a:masterClrMapping/>
   </p:clrMapOvr>
-  <p:timing>
-    <p:tnLst>
-      <p:par>
-        <p:cTn id="1" dur="indefinite" restart="never" nodeType="tmRoot"/>
-      </p:par>
-    </p:tnLst>
-  </p:timing>
 </p:sld>
 </file>
 
@@ -27298,7 +27757,7 @@
           <a:blip r:embed="rId2">
             <a:extLst>
               <a:ext uri="{96DAC541-7B7A-43D3-8B79-37D633B846F1}">
-                <asvg:svgBlip xmlns:asvg="http://schemas.microsoft.com/office/drawing/2016/SVG/main" xmlns="" r:embed="rId3"/>
+                <asvg:svgBlip xmlns:asvg="http://schemas.microsoft.com/office/drawing/2016/SVG/main" r:embed="rId3"/>
               </a:ext>
             </a:extLst>
           </a:blip>
@@ -27567,13 +28026,6 @@
   <p:clrMapOvr>
     <a:masterClrMapping/>
   </p:clrMapOvr>
-  <p:timing>
-    <p:tnLst>
-      <p:par>
-        <p:cTn id="1" dur="indefinite" restart="never" nodeType="tmRoot"/>
-      </p:par>
-    </p:tnLst>
-  </p:timing>
 </p:sld>
 </file>
 
